--- a/Презентация Луна-2.pptx
+++ b/Презентация Луна-2.pptx
@@ -9798,7 +9798,7 @@
         </p:nvSpPr>
         <p:spPr>
           <a:xfrm>
-            <a:off x="3865383" y="2171647"/>
+            <a:off x="3865383" y="655364"/>
             <a:ext cx="2578448" cy="685440"/>
           </a:xfrm>
           <a:prstGeom prst="rect">
@@ -9868,7 +9868,7 @@
         </p:nvSpPr>
         <p:spPr>
           <a:xfrm>
-            <a:off x="1226372" y="3351921"/>
+            <a:off x="1295783" y="1595446"/>
             <a:ext cx="7717648" cy="3139321"/>
           </a:xfrm>
           <a:prstGeom prst="rect">
@@ -10008,6 +10008,47 @@
               </a14:hiddenFill>
             </a:ext>
           </a:extLst>
+        </p:spPr>
+      </p:pic>
+      <p:pic>
+        <p:nvPicPr>
+          <p:cNvPr id="2" name="Рисунок 1">
+            <a:extLst>
+              <a:ext uri="{FF2B5EF4-FFF2-40B4-BE49-F238E27FC236}">
+                <a16:creationId xmlns:a16="http://schemas.microsoft.com/office/drawing/2014/main" id="{1DC4979C-E46C-A3A0-6A4E-498F50996DF6}"/>
+              </a:ext>
+            </a:extLst>
+          </p:cNvPr>
+          <p:cNvPicPr>
+            <a:picLocks noChangeAspect="1"/>
+          </p:cNvPicPr>
+          <p:nvPr/>
+        </p:nvPicPr>
+        <p:blipFill>
+          <a:blip r:embed="rId4">
+            <a:extLst>
+              <a:ext uri="{28A0092B-C50C-407E-A947-70E740481C1C}">
+                <a14:useLocalDpi xmlns:a14="http://schemas.microsoft.com/office/drawing/2010/main" val="0"/>
+              </a:ext>
+            </a:extLst>
+          </a:blip>
+          <a:srcRect/>
+          <a:stretch>
+            <a:fillRect/>
+          </a:stretch>
+        </p:blipFill>
+        <p:spPr bwMode="auto">
+          <a:xfrm>
+            <a:off x="2049457" y="4551632"/>
+            <a:ext cx="6210300" cy="3385820"/>
+          </a:xfrm>
+          <a:prstGeom prst="rect">
+            <a:avLst/>
+          </a:prstGeom>
+          <a:noFill/>
+          <a:ln>
+            <a:noFill/>
+          </a:ln>
         </p:spPr>
       </p:pic>
     </p:spTree>
@@ -11439,8 +11480,8 @@
           </p:sp>
         </mc:Fallback>
       </mc:AlternateContent>
-      <mc:AlternateContent xmlns:mc="http://schemas.openxmlformats.org/markup-compatibility/2006" xmlns:a14="http://schemas.microsoft.com/office/drawing/2010/main">
-        <mc:Choice Requires="a14">
+      <mc:AlternateContent xmlns:mc="http://schemas.openxmlformats.org/markup-compatibility/2006">
+        <mc:Choice xmlns:a14="http://schemas.microsoft.com/office/drawing/2010/main" Requires="a14">
           <p:sp>
             <p:nvSpPr>
               <p:cNvPr id="8" name="TextBox 7">
@@ -11455,7 +11496,7 @@
             </p:nvSpPr>
             <p:spPr>
               <a:xfrm>
-                <a:off x="5255112" y="6843020"/>
+                <a:off x="5312986" y="6211036"/>
                 <a:ext cx="7325956" cy="646331"/>
               </a:xfrm>
               <a:prstGeom prst="rect">
@@ -11529,7 +11570,7 @@
             </p:txBody>
           </p:sp>
         </mc:Choice>
-        <mc:Fallback xmlns="">
+        <mc:Fallback>
           <p:sp>
             <p:nvSpPr>
               <p:cNvPr id="8" name="TextBox 7">
@@ -11546,7 +11587,7 @@
             </p:nvSpPr>
             <p:spPr>
               <a:xfrm>
-                <a:off x="5255112" y="6843020"/>
+                <a:off x="5312986" y="6211036"/>
                 <a:ext cx="7325956" cy="646331"/>
               </a:xfrm>
               <a:prstGeom prst="rect">
@@ -12080,272 +12121,6 @@
           </p:sp>
         </mc:Fallback>
       </mc:AlternateContent>
-      <mc:AlternateContent xmlns:mc="http://schemas.openxmlformats.org/markup-compatibility/2006" xmlns:a14="http://schemas.microsoft.com/office/drawing/2010/main">
-        <mc:Choice Requires="a14">
-          <p:sp>
-            <p:nvSpPr>
-              <p:cNvPr id="14" name="TextBox 13">
-                <a:extLst>
-                  <a:ext uri="{FF2B5EF4-FFF2-40B4-BE49-F238E27FC236}">
-                    <a16:creationId xmlns:a16="http://schemas.microsoft.com/office/drawing/2014/main" id="{676D2D5F-B2D0-4227-A7DE-A7F3661C1C23}"/>
-                  </a:ext>
-                </a:extLst>
-              </p:cNvPr>
-              <p:cNvSpPr txBox="1"/>
-              <p:nvPr/>
-            </p:nvSpPr>
-            <p:spPr>
-              <a:xfrm>
-                <a:off x="-960033" y="5640289"/>
-                <a:ext cx="7325956" cy="369332"/>
-              </a:xfrm>
-              <a:prstGeom prst="rect">
-                <a:avLst/>
-              </a:prstGeom>
-              <a:noFill/>
-            </p:spPr>
-            <p:txBody>
-              <a:bodyPr wrap="square">
-                <a:spAutoFit/>
-              </a:bodyPr>
-              <a:lstStyle/>
-              <a:p>
-                <a:pPr/>
-                <a14:m>
-                  <m:oMathPara xmlns:m="http://schemas.openxmlformats.org/officeDocument/2006/math">
-                    <m:oMathParaPr>
-                      <m:jc m:val="centerGroup"/>
-                    </m:oMathParaPr>
-                    <m:oMath xmlns:m="http://schemas.openxmlformats.org/officeDocument/2006/math">
-                      <m:sSub>
-                        <m:sSubPr>
-                          <m:ctrlPr>
-                            <a:rPr lang="ru-RU" i="1" smtClean="0">
-                              <a:solidFill>
-                                <a:srgbClr val="836967"/>
-                              </a:solidFill>
-                              <a:latin typeface="Cambria Math" panose="02040503050406030204" pitchFamily="18" charset="0"/>
-                            </a:rPr>
-                          </m:ctrlPr>
-                        </m:sSubPr>
-                        <m:e>
-                          <m:r>
-                            <a:rPr lang="ru-RU" i="1">
-                              <a:latin typeface="Cambria Math" panose="02040503050406030204" pitchFamily="18" charset="0"/>
-                            </a:rPr>
-                            <m:t>𝐹</m:t>
-                          </m:r>
-                        </m:e>
-                        <m:sub>
-                          <m:r>
-                            <a:rPr lang="ru-RU" i="0">
-                              <a:latin typeface="Cambria Math" panose="02040503050406030204" pitchFamily="18" charset="0"/>
-                            </a:rPr>
-                            <m:t>тяги</m:t>
-                          </m:r>
-                        </m:sub>
-                      </m:sSub>
-                      <m:d>
-                        <m:dPr>
-                          <m:ctrlPr>
-                            <a:rPr lang="ru-RU" i="1">
-                              <a:solidFill>
-                                <a:srgbClr val="836967"/>
-                              </a:solidFill>
-                              <a:latin typeface="Cambria Math" panose="02040503050406030204" pitchFamily="18" charset="0"/>
-                            </a:rPr>
-                          </m:ctrlPr>
-                        </m:dPr>
-                        <m:e>
-                          <m:r>
-                            <a:rPr lang="ru-RU" i="1">
-                              <a:latin typeface="Cambria Math" panose="02040503050406030204" pitchFamily="18" charset="0"/>
-                            </a:rPr>
-                            <m:t>𝑡</m:t>
-                          </m:r>
-                        </m:e>
-                      </m:d>
-                      <m:r>
-                        <a:rPr lang="ru-RU" i="0">
-                          <a:latin typeface="Cambria Math" panose="02040503050406030204" pitchFamily="18" charset="0"/>
-                        </a:rPr>
-                        <m:t>=</m:t>
-                      </m:r>
-                      <m:sSub>
-                        <m:sSubPr>
-                          <m:ctrlPr>
-                            <a:rPr lang="ru-RU" i="1">
-                              <a:solidFill>
-                                <a:srgbClr val="836967"/>
-                              </a:solidFill>
-                              <a:latin typeface="Cambria Math" panose="02040503050406030204" pitchFamily="18" charset="0"/>
-                            </a:rPr>
-                          </m:ctrlPr>
-                        </m:sSubPr>
-                        <m:e>
-                          <m:r>
-                            <a:rPr lang="ru-RU" i="1">
-                              <a:latin typeface="Cambria Math" panose="02040503050406030204" pitchFamily="18" charset="0"/>
-                            </a:rPr>
-                            <m:t>𝐹</m:t>
-                          </m:r>
-                        </m:e>
-                        <m:sub>
-                          <m:r>
-                            <a:rPr lang="ru-RU" i="0">
-                              <a:latin typeface="Cambria Math" panose="02040503050406030204" pitchFamily="18" charset="0"/>
-                            </a:rPr>
-                            <m:t>0</m:t>
-                          </m:r>
-                        </m:sub>
-                      </m:sSub>
-                      <m:r>
-                        <a:rPr lang="ru-RU" i="0">
-                          <a:latin typeface="Cambria Math" panose="02040503050406030204" pitchFamily="18" charset="0"/>
-                        </a:rPr>
-                        <m:t>+ </m:t>
-                      </m:r>
-                      <m:d>
-                        <m:dPr>
-                          <m:ctrlPr>
-                            <a:rPr lang="ru-RU" i="1">
-                              <a:solidFill>
-                                <a:srgbClr val="836967"/>
-                              </a:solidFill>
-                              <a:latin typeface="Cambria Math" panose="02040503050406030204" pitchFamily="18" charset="0"/>
-                            </a:rPr>
-                          </m:ctrlPr>
-                        </m:dPr>
-                        <m:e>
-                          <m:sSub>
-                            <m:sSubPr>
-                              <m:ctrlPr>
-                                <a:rPr lang="ru-RU" i="1">
-                                  <a:solidFill>
-                                    <a:srgbClr val="836967"/>
-                                  </a:solidFill>
-                                  <a:latin typeface="Cambria Math" panose="02040503050406030204" pitchFamily="18" charset="0"/>
-                                </a:rPr>
-                              </m:ctrlPr>
-                            </m:sSubPr>
-                            <m:e>
-                              <m:r>
-                                <a:rPr lang="ru-RU" i="1">
-                                  <a:latin typeface="Cambria Math" panose="02040503050406030204" pitchFamily="18" charset="0"/>
-                                </a:rPr>
-                                <m:t>𝐹</m:t>
-                              </m:r>
-                            </m:e>
-                            <m:sub>
-                              <m:r>
-                                <a:rPr lang="ru-RU" i="0">
-                                  <a:latin typeface="Cambria Math" panose="02040503050406030204" pitchFamily="18" charset="0"/>
-                                </a:rPr>
-                                <m:t>1</m:t>
-                              </m:r>
-                            </m:sub>
-                          </m:sSub>
-                          <m:r>
-                            <a:rPr lang="ru-RU" i="0">
-                              <a:latin typeface="Cambria Math" panose="02040503050406030204" pitchFamily="18" charset="0"/>
-                            </a:rPr>
-                            <m:t>−</m:t>
-                          </m:r>
-                          <m:sSub>
-                            <m:sSubPr>
-                              <m:ctrlPr>
-                                <a:rPr lang="ru-RU" i="1">
-                                  <a:solidFill>
-                                    <a:srgbClr val="836967"/>
-                                  </a:solidFill>
-                                  <a:latin typeface="Cambria Math" panose="02040503050406030204" pitchFamily="18" charset="0"/>
-                                </a:rPr>
-                              </m:ctrlPr>
-                            </m:sSubPr>
-                            <m:e>
-                              <m:r>
-                                <a:rPr lang="ru-RU" i="1">
-                                  <a:latin typeface="Cambria Math" panose="02040503050406030204" pitchFamily="18" charset="0"/>
-                                </a:rPr>
-                                <m:t>𝐹</m:t>
-                              </m:r>
-                            </m:e>
-                            <m:sub>
-                              <m:r>
-                                <a:rPr lang="ru-RU" i="0">
-                                  <a:latin typeface="Cambria Math" panose="02040503050406030204" pitchFamily="18" charset="0"/>
-                                </a:rPr>
-                                <m:t>0</m:t>
-                              </m:r>
-                            </m:sub>
-                          </m:sSub>
-                        </m:e>
-                      </m:d>
-                      <m:r>
-                        <a:rPr lang="ru-RU" i="0">
-                          <a:latin typeface="Cambria Math" panose="02040503050406030204" pitchFamily="18" charset="0"/>
-                        </a:rPr>
-                        <m:t>∗</m:t>
-                      </m:r>
-                      <m:r>
-                        <a:rPr lang="ru-RU" i="1">
-                          <a:latin typeface="Cambria Math" panose="02040503050406030204" pitchFamily="18" charset="0"/>
-                        </a:rPr>
-                        <m:t>𝑡</m:t>
-                      </m:r>
-                    </m:oMath>
-                  </m:oMathPara>
-                </a14:m>
-                <a:endParaRPr lang="ru-RU" dirty="0"/>
-              </a:p>
-            </p:txBody>
-          </p:sp>
-        </mc:Choice>
-        <mc:Fallback xmlns="">
-          <p:sp>
-            <p:nvSpPr>
-              <p:cNvPr id="14" name="TextBox 13">
-                <a:extLst>
-                  <a:ext uri="{FF2B5EF4-FFF2-40B4-BE49-F238E27FC236}">
-                    <a16:creationId xmlns:a16="http://schemas.microsoft.com/office/drawing/2014/main" id="{676D2D5F-B2D0-4227-A7DE-A7F3661C1C23}"/>
-                  </a:ext>
-                </a:extLst>
-              </p:cNvPr>
-              <p:cNvSpPr txBox="1">
-                <a:spLocks noRot="1" noChangeAspect="1" noMove="1" noResize="1" noEditPoints="1" noAdjustHandles="1" noChangeArrowheads="1" noChangeShapeType="1" noTextEdit="1"/>
-              </p:cNvSpPr>
-              <p:nvPr/>
-            </p:nvSpPr>
-            <p:spPr>
-              <a:xfrm>
-                <a:off x="-960033" y="5640289"/>
-                <a:ext cx="7325956" cy="369332"/>
-              </a:xfrm>
-              <a:prstGeom prst="rect">
-                <a:avLst/>
-              </a:prstGeom>
-              <a:blipFill>
-                <a:blip r:embed="rId7"/>
-                <a:stretch>
-                  <a:fillRect b="-1639"/>
-                </a:stretch>
-              </a:blipFill>
-            </p:spPr>
-            <p:txBody>
-              <a:bodyPr/>
-              <a:lstStyle/>
-              <a:p>
-                <a:r>
-                  <a:rPr lang="ru-RU">
-                    <a:noFill/>
-                  </a:rPr>
-                  <a:t> </a:t>
-                </a:r>
-              </a:p>
-            </p:txBody>
-          </p:sp>
-        </mc:Fallback>
-      </mc:AlternateContent>
       <p:sp>
         <p:nvSpPr>
           <p:cNvPr id="16" name="TextBox 15">
@@ -12727,8 +12502,8 @@
           </a:p>
         </p:txBody>
       </p:sp>
-      <mc:AlternateContent xmlns:mc="http://schemas.openxmlformats.org/markup-compatibility/2006">
-        <mc:Choice xmlns:a14="http://schemas.microsoft.com/office/drawing/2010/main" Requires="a14">
+      <mc:AlternateContent xmlns:mc="http://schemas.openxmlformats.org/markup-compatibility/2006" xmlns:a14="http://schemas.microsoft.com/office/drawing/2010/main">
+        <mc:Choice Requires="a14">
           <p:sp>
             <p:nvSpPr>
               <p:cNvPr id="22" name="TextBox 21">
@@ -12938,7 +12713,7 @@
             </p:txBody>
           </p:sp>
         </mc:Choice>
-        <mc:Fallback>
+        <mc:Fallback xmlns="">
           <p:sp>
             <p:nvSpPr>
               <p:cNvPr id="22" name="TextBox 21">
@@ -13229,113 +13004,138 @@
           </p:sp>
         </mc:Fallback>
       </mc:AlternateContent>
-      <p:sp>
-        <p:nvSpPr>
-          <p:cNvPr id="26" name="TextBox 25">
-            <a:extLst>
-              <a:ext uri="{FF2B5EF4-FFF2-40B4-BE49-F238E27FC236}">
-                <a16:creationId xmlns:a16="http://schemas.microsoft.com/office/drawing/2014/main" id="{A2DBB211-5390-4210-ABAA-D322C0591035}"/>
-              </a:ext>
-            </a:extLst>
-          </p:cNvPr>
-          <p:cNvSpPr txBox="1"/>
-          <p:nvPr/>
-        </p:nvSpPr>
-        <p:spPr>
-          <a:xfrm>
-            <a:off x="6755802" y="6196689"/>
-            <a:ext cx="7702474" cy="646331"/>
-          </a:xfrm>
-          <a:prstGeom prst="rect">
-            <a:avLst/>
-          </a:prstGeom>
-          <a:noFill/>
-        </p:spPr>
-        <p:txBody>
-          <a:bodyPr wrap="square">
-            <a:spAutoFit/>
-          </a:bodyPr>
-          <a:lstStyle/>
-          <a:p>
-            <a:r>
-              <a:rPr lang="ru-RU" sz="1800" dirty="0">
-                <a:effectLst/>
-                <a:latin typeface="Times New Roman" panose="02020603050405020304" pitchFamily="18" charset="0"/>
-                <a:ea typeface="SimSun" panose="02010600030101010101" pitchFamily="2" charset="-122"/>
-              </a:rPr>
-              <a:t>F₁ — тяга в вакууме,</a:t>
-            </a:r>
-            <a:br>
-              <a:rPr lang="ru-RU" sz="1800" dirty="0">
-                <a:effectLst/>
-                <a:latin typeface="Times New Roman" panose="02020603050405020304" pitchFamily="18" charset="0"/>
-                <a:ea typeface="SimSun" panose="02010600030101010101" pitchFamily="2" charset="-122"/>
-              </a:rPr>
-            </a:br>
-            <a:r>
-              <a:rPr lang="ru-RU" sz="1800" dirty="0">
-                <a:effectLst/>
-                <a:latin typeface="Times New Roman" panose="02020603050405020304" pitchFamily="18" charset="0"/>
-                <a:ea typeface="SimSun" panose="02010600030101010101" pitchFamily="2" charset="-122"/>
-              </a:rPr>
-              <a:t>F₀ — тяга на старте,</a:t>
-            </a:r>
-            <a:endParaRPr lang="ru-RU" dirty="0"/>
-          </a:p>
-        </p:txBody>
-      </p:sp>
-      <p:sp>
-        <p:nvSpPr>
-          <p:cNvPr id="28" name="TextBox 27">
-            <a:extLst>
-              <a:ext uri="{FF2B5EF4-FFF2-40B4-BE49-F238E27FC236}">
-                <a16:creationId xmlns:a16="http://schemas.microsoft.com/office/drawing/2014/main" id="{63088C7C-43AF-4EFE-955F-48501E4A9E8C}"/>
-              </a:ext>
-            </a:extLst>
-          </p:cNvPr>
-          <p:cNvSpPr txBox="1"/>
-          <p:nvPr/>
-        </p:nvSpPr>
-        <p:spPr>
-          <a:xfrm>
-            <a:off x="1667436" y="3362664"/>
-            <a:ext cx="7702474" cy="369909"/>
-          </a:xfrm>
-          <a:prstGeom prst="rect">
-            <a:avLst/>
-          </a:prstGeom>
-          <a:noFill/>
-        </p:spPr>
-        <p:txBody>
-          <a:bodyPr wrap="square">
-            <a:spAutoFit/>
-          </a:bodyPr>
-          <a:lstStyle/>
-          <a:p>
-            <a:pPr indent="450215" algn="just">
-              <a:lnSpc>
-                <a:spcPct val="105000"/>
-              </a:lnSpc>
-              <a:spcAft>
-                <a:spcPts val="800"/>
-              </a:spcAft>
-            </a:pPr>
-            <a:r>
-              <a:rPr lang="ru-RU" sz="1800" dirty="0">
-                <a:effectLst/>
-                <a:latin typeface="Times New Roman" panose="02020603050405020304" pitchFamily="18" charset="0"/>
-                <a:ea typeface="SimSun" panose="02010600030101010101" pitchFamily="2" charset="-122"/>
-              </a:rPr>
-              <a:t> ϕ (t) = ϕ + βt</a:t>
-            </a:r>
-            <a:endParaRPr lang="ru-RU" sz="1400" dirty="0">
-              <a:effectLst/>
-              <a:latin typeface="Calibri" panose="020F0502020204030204" pitchFamily="34" charset="0"/>
-              <a:ea typeface="Calibri" panose="020F0502020204030204" pitchFamily="34" charset="0"/>
-            </a:endParaRPr>
-          </a:p>
-        </p:txBody>
-      </p:sp>
+      <mc:AlternateContent xmlns:mc="http://schemas.openxmlformats.org/markup-compatibility/2006">
+        <mc:Choice xmlns:a14="http://schemas.microsoft.com/office/drawing/2010/main" Requires="a14">
+          <p:sp>
+            <p:nvSpPr>
+              <p:cNvPr id="28" name="TextBox 27">
+                <a:extLst>
+                  <a:ext uri="{FF2B5EF4-FFF2-40B4-BE49-F238E27FC236}">
+                    <a16:creationId xmlns:a16="http://schemas.microsoft.com/office/drawing/2014/main" id="{63088C7C-43AF-4EFE-955F-48501E4A9E8C}"/>
+                  </a:ext>
+                </a:extLst>
+              </p:cNvPr>
+              <p:cNvSpPr txBox="1"/>
+              <p:nvPr/>
+            </p:nvSpPr>
+            <p:spPr>
+              <a:xfrm>
+                <a:off x="1667436" y="3362664"/>
+                <a:ext cx="7702474" cy="369909"/>
+              </a:xfrm>
+              <a:prstGeom prst="rect">
+                <a:avLst/>
+              </a:prstGeom>
+              <a:noFill/>
+            </p:spPr>
+            <p:txBody>
+              <a:bodyPr wrap="square">
+                <a:spAutoFit/>
+              </a:bodyPr>
+              <a:lstStyle/>
+              <a:p>
+                <a:pPr indent="450215" algn="just">
+                  <a:lnSpc>
+                    <a:spcPct val="105000"/>
+                  </a:lnSpc>
+                  <a:spcAft>
+                    <a:spcPts val="800"/>
+                  </a:spcAft>
+                </a:pPr>
+                <a:r>
+                  <a:rPr lang="ru-RU" sz="1800" dirty="0">
+                    <a:effectLst/>
+                    <a:latin typeface="Times New Roman" panose="02020603050405020304" pitchFamily="18" charset="0"/>
+                    <a:ea typeface="SimSun" panose="02010600030101010101" pitchFamily="2" charset="-122"/>
+                  </a:rPr>
+                  <a:t> ϕ (t) = </a:t>
+                </a:r>
+                <a14:m>
+                  <m:oMath xmlns:m="http://schemas.openxmlformats.org/officeDocument/2006/math">
+                    <m:r>
+                      <m:rPr>
+                        <m:nor/>
+                      </m:rPr>
+                      <a:rPr lang="ru-RU" smtClean="0">
+                        <a:latin typeface="Times New Roman" panose="02020603050405020304" pitchFamily="18" charset="0"/>
+                        <a:cs typeface="Times New Roman" panose="02020603050405020304" pitchFamily="18" charset="0"/>
+                      </a:rPr>
+                      <m:t>ϕ</m:t>
+                    </m:r>
+                    <m:r>
+                      <m:rPr>
+                        <m:nor/>
+                      </m:rPr>
+                      <a:rPr lang="ru-RU" smtClean="0">
+                        <a:latin typeface="Times New Roman" panose="02020603050405020304" pitchFamily="18" charset="0"/>
+                        <a:cs typeface="Times New Roman" panose="02020603050405020304" pitchFamily="18" charset="0"/>
+                      </a:rPr>
+                      <m:t>₀</m:t>
+                    </m:r>
+                  </m:oMath>
+                </a14:m>
+                <a:r>
+                  <a:rPr lang="ru-RU" sz="1800" dirty="0">
+                    <a:effectLst/>
+                    <a:latin typeface="Times New Roman" panose="02020603050405020304" pitchFamily="18" charset="0"/>
+                    <a:ea typeface="SimSun" panose="02010600030101010101" pitchFamily="2" charset="-122"/>
+                  </a:rPr>
+                  <a:t> + βt</a:t>
+                </a:r>
+                <a:endParaRPr lang="ru-RU" sz="1400" dirty="0">
+                  <a:effectLst/>
+                  <a:latin typeface="Calibri" panose="020F0502020204030204" pitchFamily="34" charset="0"/>
+                  <a:ea typeface="Calibri" panose="020F0502020204030204" pitchFamily="34" charset="0"/>
+                </a:endParaRPr>
+              </a:p>
+            </p:txBody>
+          </p:sp>
+        </mc:Choice>
+        <mc:Fallback>
+          <p:sp>
+            <p:nvSpPr>
+              <p:cNvPr id="28" name="TextBox 27">
+                <a:extLst>
+                  <a:ext uri="{FF2B5EF4-FFF2-40B4-BE49-F238E27FC236}">
+                    <a16:creationId xmlns:a16="http://schemas.microsoft.com/office/drawing/2014/main" id="{63088C7C-43AF-4EFE-955F-48501E4A9E8C}"/>
+                  </a:ext>
+                </a:extLst>
+              </p:cNvPr>
+              <p:cNvSpPr txBox="1">
+                <a:spLocks noRot="1" noChangeAspect="1" noMove="1" noResize="1" noEditPoints="1" noAdjustHandles="1" noChangeArrowheads="1" noChangeShapeType="1" noTextEdit="1"/>
+              </p:cNvSpPr>
+              <p:nvPr/>
+            </p:nvSpPr>
+            <p:spPr>
+              <a:xfrm>
+                <a:off x="1667436" y="3362664"/>
+                <a:ext cx="7702474" cy="369909"/>
+              </a:xfrm>
+              <a:prstGeom prst="rect">
+                <a:avLst/>
+              </a:prstGeom>
+              <a:blipFill>
+                <a:blip r:embed="rId11"/>
+                <a:stretch>
+                  <a:fillRect t="-11667" b="-25000"/>
+                </a:stretch>
+              </a:blipFill>
+            </p:spPr>
+            <p:txBody>
+              <a:bodyPr/>
+              <a:lstStyle/>
+              <a:p>
+                <a:r>
+                  <a:rPr lang="ru-RU">
+                    <a:noFill/>
+                  </a:rPr>
+                  <a:t> </a:t>
+                </a:r>
+              </a:p>
+            </p:txBody>
+          </p:sp>
+        </mc:Fallback>
+      </mc:AlternateContent>
     </p:spTree>
   </p:cSld>
   <p:clrMapOvr>
@@ -13445,8 +13245,8 @@
           </a:p>
         </p:txBody>
       </p:sp>
-      <mc:AlternateContent xmlns:mc="http://schemas.openxmlformats.org/markup-compatibility/2006" xmlns:a14="http://schemas.microsoft.com/office/drawing/2010/main">
-        <mc:Choice Requires="a14">
+      <mc:AlternateContent xmlns:mc="http://schemas.openxmlformats.org/markup-compatibility/2006">
+        <mc:Choice xmlns:a14="http://schemas.microsoft.com/office/drawing/2010/main" Requires="a14">
           <p:sp>
             <p:nvSpPr>
               <p:cNvPr id="16" name="TextBox 15">
@@ -13461,7 +13261,7 @@
             </p:nvSpPr>
             <p:spPr>
               <a:xfrm>
-                <a:off x="1081143" y="1968018"/>
+                <a:off x="3245609" y="1908675"/>
                 <a:ext cx="7325956" cy="1108958"/>
               </a:xfrm>
               <a:prstGeom prst="rect">
@@ -13475,11 +13275,11 @@
               </a:bodyPr>
               <a:lstStyle/>
               <a:p>
-                <a:pPr/>
+                <a:pPr algn="just"/>
                 <a14:m>
                   <m:oMathPara xmlns:m="http://schemas.openxmlformats.org/officeDocument/2006/math">
                     <m:oMathParaPr>
-                      <m:jc m:val="centerGroup"/>
+                      <m:jc m:val="center"/>
                     </m:oMathParaPr>
                     <m:oMath xmlns:m="http://schemas.openxmlformats.org/officeDocument/2006/math">
                       <m:f>
@@ -13534,152 +13334,25 @@
                           </m:ctrlPr>
                         </m:fPr>
                         <m:num>
-                          <m:d>
-                            <m:dPr>
-                              <m:begChr m:val=""/>
+                          <m:sSub>
+                            <m:sSubPr>
                               <m:ctrlPr>
-                                <a:rPr lang="ru-RU" i="1">
-                                  <a:latin typeface="Cambria Math" panose="02040503050406030204" pitchFamily="18" charset="0"/>
-                                </a:rPr>
+                                <a:rPr lang="ru-RU" i="1"/>
                               </m:ctrlPr>
-                            </m:dPr>
+                            </m:sSubPr>
                             <m:e>
-                              <m:sSub>
-                                <m:sSubPr>
-                                  <m:ctrlPr>
-                                    <a:rPr lang="ru-RU" i="1">
-                                      <a:solidFill>
-                                        <a:srgbClr val="836967"/>
-                                      </a:solidFill>
-                                      <a:latin typeface="Cambria Math" panose="02040503050406030204" pitchFamily="18" charset="0"/>
-                                    </a:rPr>
-                                  </m:ctrlPr>
-                                </m:sSubPr>
-                                <m:e>
-                                  <m:d>
-                                    <m:dPr>
-                                      <m:endChr m:val=""/>
-                                      <m:ctrlPr>
-                                        <a:rPr lang="ru-RU" i="1">
-                                          <a:latin typeface="Cambria Math" panose="02040503050406030204" pitchFamily="18" charset="0"/>
-                                        </a:rPr>
-                                      </m:ctrlPr>
-                                    </m:dPr>
-                                    <m:e>
-                                      <m:r>
-                                        <a:rPr lang="ru-RU" i="1">
-                                          <a:latin typeface="Cambria Math" panose="02040503050406030204" pitchFamily="18" charset="0"/>
-                                        </a:rPr>
-                                        <m:t>𝐹</m:t>
-                                      </m:r>
-                                    </m:e>
-                                  </m:d>
-                                </m:e>
-                                <m:sub>
-                                  <m:r>
-                                    <a:rPr lang="ru-RU" i="0">
-                                      <a:latin typeface="Cambria Math" panose="02040503050406030204" pitchFamily="18" charset="0"/>
-                                    </a:rPr>
-                                    <m:t>0</m:t>
-                                  </m:r>
-                                </m:sub>
-                              </m:sSub>
                               <m:r>
-                                <a:rPr lang="ru-RU" i="0">
-                                  <a:latin typeface="Cambria Math" panose="02040503050406030204" pitchFamily="18" charset="0"/>
-                                </a:rPr>
-                                <m:t>+ </m:t>
-                              </m:r>
-                              <m:d>
-                                <m:dPr>
-                                  <m:ctrlPr>
-                                    <a:rPr lang="ru-RU" i="1">
-                                      <a:solidFill>
-                                        <a:srgbClr val="836967"/>
-                                      </a:solidFill>
-                                      <a:latin typeface="Cambria Math" panose="02040503050406030204" pitchFamily="18" charset="0"/>
-                                    </a:rPr>
-                                  </m:ctrlPr>
-                                </m:dPr>
-                                <m:e>
-                                  <m:sSub>
-                                    <m:sSubPr>
-                                      <m:ctrlPr>
-                                        <a:rPr lang="ru-RU" i="1">
-                                          <a:solidFill>
-                                            <a:srgbClr val="836967"/>
-                                          </a:solidFill>
-                                          <a:latin typeface="Cambria Math" panose="02040503050406030204" pitchFamily="18" charset="0"/>
-                                        </a:rPr>
-                                      </m:ctrlPr>
-                                    </m:sSubPr>
-                                    <m:e>
-                                      <m:r>
-                                        <a:rPr lang="ru-RU" i="1">
-                                          <a:latin typeface="Cambria Math" panose="02040503050406030204" pitchFamily="18" charset="0"/>
-                                        </a:rPr>
-                                        <m:t>𝐹</m:t>
-                                      </m:r>
-                                    </m:e>
-                                    <m:sub>
-                                      <m:r>
-                                        <a:rPr lang="ru-RU" i="0">
-                                          <a:latin typeface="Cambria Math" panose="02040503050406030204" pitchFamily="18" charset="0"/>
-                                        </a:rPr>
-                                        <m:t>1</m:t>
-                                      </m:r>
-                                    </m:sub>
-                                  </m:sSub>
-                                  <m:r>
-                                    <a:rPr lang="ru-RU" i="0">
-                                      <a:latin typeface="Cambria Math" panose="02040503050406030204" pitchFamily="18" charset="0"/>
-                                    </a:rPr>
-                                    <m:t>−</m:t>
-                                  </m:r>
-                                  <m:sSub>
-                                    <m:sSubPr>
-                                      <m:ctrlPr>
-                                        <a:rPr lang="ru-RU" i="1">
-                                          <a:solidFill>
-                                            <a:srgbClr val="836967"/>
-                                          </a:solidFill>
-                                          <a:latin typeface="Cambria Math" panose="02040503050406030204" pitchFamily="18" charset="0"/>
-                                        </a:rPr>
-                                      </m:ctrlPr>
-                                    </m:sSubPr>
-                                    <m:e>
-                                      <m:r>
-                                        <a:rPr lang="ru-RU" i="1">
-                                          <a:latin typeface="Cambria Math" panose="02040503050406030204" pitchFamily="18" charset="0"/>
-                                        </a:rPr>
-                                        <m:t>𝐹</m:t>
-                                      </m:r>
-                                    </m:e>
-                                    <m:sub>
-                                      <m:r>
-                                        <a:rPr lang="ru-RU" i="0">
-                                          <a:latin typeface="Cambria Math" panose="02040503050406030204" pitchFamily="18" charset="0"/>
-                                        </a:rPr>
-                                        <m:t>0</m:t>
-                                      </m:r>
-                                    </m:sub>
-                                  </m:sSub>
-                                </m:e>
-                              </m:d>
-                              <m:r>
-                                <a:rPr lang="ru-RU" i="0">
-                                  <a:latin typeface="Cambria Math" panose="02040503050406030204" pitchFamily="18" charset="0"/>
-                                </a:rPr>
-                                <m:t>∗</m:t>
-                              </m:r>
-                              <m:r>
-                                <a:rPr lang="ru-RU" i="1">
-                                  <a:latin typeface="Cambria Math" panose="02040503050406030204" pitchFamily="18" charset="0"/>
-                                </a:rPr>
-                                <m:t>𝑡</m:t>
+                                <a:rPr lang="ru-RU" i="1"/>
+                                <m:t>𝐹</m:t>
                               </m:r>
                             </m:e>
-                          </m:d>
+                            <m:sub>
+                              <m:r>
+                                <a:rPr lang="ru-RU"/>
+                                <m:t>тяги</m:t>
+                              </m:r>
+                            </m:sub>
+                          </m:sSub>
                           <m:r>
                             <a:rPr lang="ru-RU" i="0">
                               <a:latin typeface="Cambria Math" panose="02040503050406030204" pitchFamily="18" charset="0"/>
@@ -14015,7 +13688,7 @@
             </p:txBody>
           </p:sp>
         </mc:Choice>
-        <mc:Fallback xmlns="">
+        <mc:Fallback>
           <p:sp>
             <p:nvSpPr>
               <p:cNvPr id="16" name="TextBox 15">
@@ -14032,7 +13705,7 @@
             </p:nvSpPr>
             <p:spPr>
               <a:xfrm>
-                <a:off x="1081143" y="1968018"/>
+                <a:off x="3245609" y="1908675"/>
                 <a:ext cx="7325956" cy="1108958"/>
               </a:xfrm>
               <a:prstGeom prst="rect">
@@ -14060,8 +13733,8 @@
           </p:sp>
         </mc:Fallback>
       </mc:AlternateContent>
-      <mc:AlternateContent xmlns:mc="http://schemas.openxmlformats.org/markup-compatibility/2006" xmlns:a14="http://schemas.microsoft.com/office/drawing/2010/main">
-        <mc:Choice Requires="a14">
+      <mc:AlternateContent xmlns:mc="http://schemas.openxmlformats.org/markup-compatibility/2006">
+        <mc:Choice xmlns:a14="http://schemas.microsoft.com/office/drawing/2010/main" Requires="a14">
           <p:sp>
             <p:nvSpPr>
               <p:cNvPr id="20" name="TextBox 19">
@@ -14076,7 +13749,7 @@
             </p:nvSpPr>
             <p:spPr>
               <a:xfrm>
-                <a:off x="279699" y="4310306"/>
+                <a:off x="-958791" y="3919294"/>
                 <a:ext cx="11101892" cy="2007024"/>
               </a:xfrm>
               <a:prstGeom prst="rect">
@@ -14228,43 +13901,19 @@
                           <m:sSub>
                             <m:sSubPr>
                               <m:ctrlPr>
-                                <a:rPr lang="ru-RU" sz="1800" i="1">
-                                  <a:effectLst/>
-                                  <a:latin typeface="Cambria Math" panose="02040503050406030204" pitchFamily="18" charset="0"/>
-                                  <a:ea typeface="SimSun" panose="02010600030101010101" pitchFamily="2" charset="-122"/>
-                                  <a:cs typeface="Times New Roman" panose="02020603050405020304" pitchFamily="18" charset="0"/>
-                                </a:rPr>
+                                <a:rPr lang="ru-RU" i="1"/>
                               </m:ctrlPr>
                             </m:sSubPr>
                             <m:e>
                               <m:r>
-                                <a:rPr lang="en-US" sz="1800" i="1">
-                                  <a:effectLst/>
-                                  <a:latin typeface="Cambria Math" panose="02040503050406030204" pitchFamily="18" charset="0"/>
-                                  <a:ea typeface="SimSun" panose="02010600030101010101" pitchFamily="2" charset="-122"/>
-                                  <a:cs typeface="Times New Roman" panose="02020603050405020304" pitchFamily="18" charset="0"/>
-                                </a:rPr>
-                                <m:t>(</m:t>
-                              </m:r>
-                              <m:r>
-                                <a:rPr lang="en-US" sz="1800" i="1">
-                                  <a:effectLst/>
-                                  <a:latin typeface="Cambria Math" panose="02040503050406030204" pitchFamily="18" charset="0"/>
-                                  <a:ea typeface="SimSun" panose="02010600030101010101" pitchFamily="2" charset="-122"/>
-                                  <a:cs typeface="Times New Roman" panose="02020603050405020304" pitchFamily="18" charset="0"/>
-                                </a:rPr>
+                                <a:rPr lang="ru-RU" i="1"/>
                                 <m:t>𝐹</m:t>
                               </m:r>
                             </m:e>
                             <m:sub>
                               <m:r>
-                                <a:rPr lang="en-US" sz="1800" i="1">
-                                  <a:effectLst/>
-                                  <a:latin typeface="Cambria Math" panose="02040503050406030204" pitchFamily="18" charset="0"/>
-                                  <a:ea typeface="SimSun" panose="02010600030101010101" pitchFamily="2" charset="-122"/>
-                                  <a:cs typeface="Times New Roman" panose="02020603050405020304" pitchFamily="18" charset="0"/>
-                                </a:rPr>
-                                <m:t>0</m:t>
+                                <a:rPr lang="ru-RU"/>
+                                <m:t>тяги</m:t>
                               </m:r>
                             </m:sub>
                           </m:sSub>
@@ -14275,125 +13924,7 @@
                               <a:ea typeface="SimSun" panose="02010600030101010101" pitchFamily="2" charset="-122"/>
                               <a:cs typeface="Times New Roman" panose="02020603050405020304" pitchFamily="18" charset="0"/>
                             </a:rPr>
-                            <m:t>+ </m:t>
-                          </m:r>
-                          <m:d>
-                            <m:dPr>
-                              <m:ctrlPr>
-                                <a:rPr lang="ru-RU" sz="1800" i="1">
-                                  <a:effectLst/>
-                                  <a:latin typeface="Cambria Math" panose="02040503050406030204" pitchFamily="18" charset="0"/>
-                                  <a:ea typeface="SimSun" panose="02010600030101010101" pitchFamily="2" charset="-122"/>
-                                  <a:cs typeface="Times New Roman" panose="02020603050405020304" pitchFamily="18" charset="0"/>
-                                </a:rPr>
-                              </m:ctrlPr>
-                            </m:dPr>
-                            <m:e>
-                              <m:sSub>
-                                <m:sSubPr>
-                                  <m:ctrlPr>
-                                    <a:rPr lang="ru-RU" sz="1800" i="1">
-                                      <a:effectLst/>
-                                      <a:latin typeface="Cambria Math" panose="02040503050406030204" pitchFamily="18" charset="0"/>
-                                      <a:ea typeface="SimSun" panose="02010600030101010101" pitchFamily="2" charset="-122"/>
-                                      <a:cs typeface="Times New Roman" panose="02020603050405020304" pitchFamily="18" charset="0"/>
-                                    </a:rPr>
-                                  </m:ctrlPr>
-                                </m:sSubPr>
-                                <m:e>
-                                  <m:r>
-                                    <a:rPr lang="en-US" sz="1800" i="1">
-                                      <a:effectLst/>
-                                      <a:latin typeface="Cambria Math" panose="02040503050406030204" pitchFamily="18" charset="0"/>
-                                      <a:ea typeface="SimSun" panose="02010600030101010101" pitchFamily="2" charset="-122"/>
-                                      <a:cs typeface="Times New Roman" panose="02020603050405020304" pitchFamily="18" charset="0"/>
-                                    </a:rPr>
-                                    <m:t>𝐹</m:t>
-                                  </m:r>
-                                </m:e>
-                                <m:sub>
-                                  <m:r>
-                                    <a:rPr lang="en-US" sz="1800" i="1">
-                                      <a:effectLst/>
-                                      <a:latin typeface="Cambria Math" panose="02040503050406030204" pitchFamily="18" charset="0"/>
-                                      <a:ea typeface="SimSun" panose="02010600030101010101" pitchFamily="2" charset="-122"/>
-                                      <a:cs typeface="Times New Roman" panose="02020603050405020304" pitchFamily="18" charset="0"/>
-                                    </a:rPr>
-                                    <m:t>1</m:t>
-                                  </m:r>
-                                </m:sub>
-                              </m:sSub>
-                              <m:r>
-                                <a:rPr lang="en-US" sz="1800" i="1">
-                                  <a:effectLst/>
-                                  <a:latin typeface="Cambria Math" panose="02040503050406030204" pitchFamily="18" charset="0"/>
-                                  <a:ea typeface="SimSun" panose="02010600030101010101" pitchFamily="2" charset="-122"/>
-                                  <a:cs typeface="Times New Roman" panose="02020603050405020304" pitchFamily="18" charset="0"/>
-                                </a:rPr>
-                                <m:t>−</m:t>
-                              </m:r>
-                              <m:sSub>
-                                <m:sSubPr>
-                                  <m:ctrlPr>
-                                    <a:rPr lang="ru-RU" sz="1800" i="1">
-                                      <a:effectLst/>
-                                      <a:latin typeface="Cambria Math" panose="02040503050406030204" pitchFamily="18" charset="0"/>
-                                      <a:ea typeface="SimSun" panose="02010600030101010101" pitchFamily="2" charset="-122"/>
-                                      <a:cs typeface="Times New Roman" panose="02020603050405020304" pitchFamily="18" charset="0"/>
-                                    </a:rPr>
-                                  </m:ctrlPr>
-                                </m:sSubPr>
-                                <m:e>
-                                  <m:r>
-                                    <a:rPr lang="en-US" sz="1800" i="1">
-                                      <a:effectLst/>
-                                      <a:latin typeface="Cambria Math" panose="02040503050406030204" pitchFamily="18" charset="0"/>
-                                      <a:ea typeface="SimSun" panose="02010600030101010101" pitchFamily="2" charset="-122"/>
-                                      <a:cs typeface="Times New Roman" panose="02020603050405020304" pitchFamily="18" charset="0"/>
-                                    </a:rPr>
-                                    <m:t>𝐹</m:t>
-                                  </m:r>
-                                </m:e>
-                                <m:sub>
-                                  <m:r>
-                                    <a:rPr lang="en-US" sz="1800" i="1">
-                                      <a:effectLst/>
-                                      <a:latin typeface="Cambria Math" panose="02040503050406030204" pitchFamily="18" charset="0"/>
-                                      <a:ea typeface="SimSun" panose="02010600030101010101" pitchFamily="2" charset="-122"/>
-                                      <a:cs typeface="Times New Roman" panose="02020603050405020304" pitchFamily="18" charset="0"/>
-                                    </a:rPr>
-                                    <m:t>0</m:t>
-                                  </m:r>
-                                </m:sub>
-                              </m:sSub>
-                            </m:e>
-                          </m:d>
-                          <m:r>
-                            <a:rPr lang="en-US" sz="1800" i="1">
-                              <a:effectLst/>
-                              <a:latin typeface="Cambria Math" panose="02040503050406030204" pitchFamily="18" charset="0"/>
-                              <a:ea typeface="SimSun" panose="02010600030101010101" pitchFamily="2" charset="-122"/>
-                              <a:cs typeface="Times New Roman" panose="02020603050405020304" pitchFamily="18" charset="0"/>
-                            </a:rPr>
                             <m:t>∗</m:t>
-                          </m:r>
-                          <m:r>
-                            <a:rPr lang="en-US" sz="1800" i="1">
-                              <a:effectLst/>
-                              <a:latin typeface="Cambria Math" panose="02040503050406030204" pitchFamily="18" charset="0"/>
-                              <a:ea typeface="SimSun" panose="02010600030101010101" pitchFamily="2" charset="-122"/>
-                              <a:cs typeface="Times New Roman" panose="02020603050405020304" pitchFamily="18" charset="0"/>
-                            </a:rPr>
-                            <m:t>𝑡</m:t>
-                          </m:r>
-                          <m:r>
-                            <a:rPr lang="en-US" sz="1800" i="1">
-                              <a:effectLst/>
-                              <a:latin typeface="Cambria Math" panose="02040503050406030204" pitchFamily="18" charset="0"/>
-                              <a:ea typeface="SimSun" panose="02010600030101010101" pitchFamily="2" charset="-122"/>
-                              <a:cs typeface="Times New Roman" panose="02020603050405020304" pitchFamily="18" charset="0"/>
-                            </a:rPr>
-                            <m:t>)∗</m:t>
                           </m:r>
                           <m:r>
                             <m:rPr>
@@ -14983,7 +14514,7 @@
             </p:txBody>
           </p:sp>
         </mc:Choice>
-        <mc:Fallback xmlns="">
+        <mc:Fallback>
           <p:sp>
             <p:nvSpPr>
               <p:cNvPr id="20" name="TextBox 19">
@@ -15000,7 +14531,7 @@
             </p:nvSpPr>
             <p:spPr>
               <a:xfrm>
-                <a:off x="279699" y="4310306"/>
+                <a:off x="-958791" y="3919294"/>
                 <a:ext cx="11101892" cy="2007024"/>
               </a:xfrm>
               <a:prstGeom prst="rect">
@@ -15028,8 +14559,8 @@
           </p:sp>
         </mc:Fallback>
       </mc:AlternateContent>
-      <mc:AlternateContent xmlns:mc="http://schemas.openxmlformats.org/markup-compatibility/2006" xmlns:a14="http://schemas.microsoft.com/office/drawing/2010/main">
-        <mc:Choice Requires="a14">
+      <mc:AlternateContent xmlns:mc="http://schemas.openxmlformats.org/markup-compatibility/2006">
+        <mc:Choice xmlns:a14="http://schemas.microsoft.com/office/drawing/2010/main" Requires="a14">
           <p:sp>
             <p:nvSpPr>
               <p:cNvPr id="22" name="TextBox 21">
@@ -15044,7 +14575,7 @@
             </p:nvSpPr>
             <p:spPr>
               <a:xfrm>
-                <a:off x="513678" y="6137301"/>
+                <a:off x="-1197879" y="4820955"/>
                 <a:ext cx="10633934" cy="1544654"/>
               </a:xfrm>
               <a:prstGeom prst="rect">
@@ -15187,43 +14718,19 @@
                           <m:sSub>
                             <m:sSubPr>
                               <m:ctrlPr>
-                                <a:rPr lang="ru-RU" sz="1800" i="1">
-                                  <a:effectLst/>
-                                  <a:latin typeface="Cambria Math" panose="02040503050406030204" pitchFamily="18" charset="0"/>
-                                  <a:ea typeface="SimSun" panose="02010600030101010101" pitchFamily="2" charset="-122"/>
-                                  <a:cs typeface="Times New Roman" panose="02020603050405020304" pitchFamily="18" charset="0"/>
-                                </a:rPr>
+                                <a:rPr lang="ru-RU" i="1"/>
                               </m:ctrlPr>
                             </m:sSubPr>
                             <m:e>
                               <m:r>
-                                <a:rPr lang="en-US" sz="1800" i="1">
-                                  <a:effectLst/>
-                                  <a:latin typeface="Cambria Math" panose="02040503050406030204" pitchFamily="18" charset="0"/>
-                                  <a:ea typeface="SimSun" panose="02010600030101010101" pitchFamily="2" charset="-122"/>
-                                  <a:cs typeface="Times New Roman" panose="02020603050405020304" pitchFamily="18" charset="0"/>
-                                </a:rPr>
-                                <m:t>(</m:t>
-                              </m:r>
-                              <m:r>
-                                <a:rPr lang="en-US" sz="1800" i="1">
-                                  <a:effectLst/>
-                                  <a:latin typeface="Cambria Math" panose="02040503050406030204" pitchFamily="18" charset="0"/>
-                                  <a:ea typeface="SimSun" panose="02010600030101010101" pitchFamily="2" charset="-122"/>
-                                  <a:cs typeface="Times New Roman" panose="02020603050405020304" pitchFamily="18" charset="0"/>
-                                </a:rPr>
+                                <a:rPr lang="ru-RU" i="1"/>
                                 <m:t>𝐹</m:t>
                               </m:r>
                             </m:e>
                             <m:sub>
                               <m:r>
-                                <a:rPr lang="en-US" sz="1800" i="1">
-                                  <a:effectLst/>
-                                  <a:latin typeface="Cambria Math" panose="02040503050406030204" pitchFamily="18" charset="0"/>
-                                  <a:ea typeface="SimSun" panose="02010600030101010101" pitchFamily="2" charset="-122"/>
-                                  <a:cs typeface="Times New Roman" panose="02020603050405020304" pitchFamily="18" charset="0"/>
-                                </a:rPr>
-                                <m:t>0</m:t>
+                                <a:rPr lang="ru-RU"/>
+                                <m:t>тяги</m:t>
                               </m:r>
                             </m:sub>
                           </m:sSub>
@@ -15234,125 +14741,7 @@
                               <a:ea typeface="SimSun" panose="02010600030101010101" pitchFamily="2" charset="-122"/>
                               <a:cs typeface="Times New Roman" panose="02020603050405020304" pitchFamily="18" charset="0"/>
                             </a:rPr>
-                            <m:t>+ </m:t>
-                          </m:r>
-                          <m:d>
-                            <m:dPr>
-                              <m:ctrlPr>
-                                <a:rPr lang="ru-RU" sz="1800" i="1">
-                                  <a:effectLst/>
-                                  <a:latin typeface="Cambria Math" panose="02040503050406030204" pitchFamily="18" charset="0"/>
-                                  <a:ea typeface="SimSun" panose="02010600030101010101" pitchFamily="2" charset="-122"/>
-                                  <a:cs typeface="Times New Roman" panose="02020603050405020304" pitchFamily="18" charset="0"/>
-                                </a:rPr>
-                              </m:ctrlPr>
-                            </m:dPr>
-                            <m:e>
-                              <m:sSub>
-                                <m:sSubPr>
-                                  <m:ctrlPr>
-                                    <a:rPr lang="ru-RU" sz="1800" i="1">
-                                      <a:effectLst/>
-                                      <a:latin typeface="Cambria Math" panose="02040503050406030204" pitchFamily="18" charset="0"/>
-                                      <a:ea typeface="SimSun" panose="02010600030101010101" pitchFamily="2" charset="-122"/>
-                                      <a:cs typeface="Times New Roman" panose="02020603050405020304" pitchFamily="18" charset="0"/>
-                                    </a:rPr>
-                                  </m:ctrlPr>
-                                </m:sSubPr>
-                                <m:e>
-                                  <m:r>
-                                    <a:rPr lang="en-US" sz="1800" i="1">
-                                      <a:effectLst/>
-                                      <a:latin typeface="Cambria Math" panose="02040503050406030204" pitchFamily="18" charset="0"/>
-                                      <a:ea typeface="SimSun" panose="02010600030101010101" pitchFamily="2" charset="-122"/>
-                                      <a:cs typeface="Times New Roman" panose="02020603050405020304" pitchFamily="18" charset="0"/>
-                                    </a:rPr>
-                                    <m:t>𝐹</m:t>
-                                  </m:r>
-                                </m:e>
-                                <m:sub>
-                                  <m:r>
-                                    <a:rPr lang="en-US" sz="1800" i="1">
-                                      <a:effectLst/>
-                                      <a:latin typeface="Cambria Math" panose="02040503050406030204" pitchFamily="18" charset="0"/>
-                                      <a:ea typeface="SimSun" panose="02010600030101010101" pitchFamily="2" charset="-122"/>
-                                      <a:cs typeface="Times New Roman" panose="02020603050405020304" pitchFamily="18" charset="0"/>
-                                    </a:rPr>
-                                    <m:t>1</m:t>
-                                  </m:r>
-                                </m:sub>
-                              </m:sSub>
-                              <m:r>
-                                <a:rPr lang="en-US" sz="1800" i="1">
-                                  <a:effectLst/>
-                                  <a:latin typeface="Cambria Math" panose="02040503050406030204" pitchFamily="18" charset="0"/>
-                                  <a:ea typeface="SimSun" panose="02010600030101010101" pitchFamily="2" charset="-122"/>
-                                  <a:cs typeface="Times New Roman" panose="02020603050405020304" pitchFamily="18" charset="0"/>
-                                </a:rPr>
-                                <m:t>−</m:t>
-                              </m:r>
-                              <m:sSub>
-                                <m:sSubPr>
-                                  <m:ctrlPr>
-                                    <a:rPr lang="ru-RU" sz="1800" i="1">
-                                      <a:effectLst/>
-                                      <a:latin typeface="Cambria Math" panose="02040503050406030204" pitchFamily="18" charset="0"/>
-                                      <a:ea typeface="SimSun" panose="02010600030101010101" pitchFamily="2" charset="-122"/>
-                                      <a:cs typeface="Times New Roman" panose="02020603050405020304" pitchFamily="18" charset="0"/>
-                                    </a:rPr>
-                                  </m:ctrlPr>
-                                </m:sSubPr>
-                                <m:e>
-                                  <m:r>
-                                    <a:rPr lang="en-US" sz="1800" i="1">
-                                      <a:effectLst/>
-                                      <a:latin typeface="Cambria Math" panose="02040503050406030204" pitchFamily="18" charset="0"/>
-                                      <a:ea typeface="SimSun" panose="02010600030101010101" pitchFamily="2" charset="-122"/>
-                                      <a:cs typeface="Times New Roman" panose="02020603050405020304" pitchFamily="18" charset="0"/>
-                                    </a:rPr>
-                                    <m:t>𝐹</m:t>
-                                  </m:r>
-                                </m:e>
-                                <m:sub>
-                                  <m:r>
-                                    <a:rPr lang="en-US" sz="1800" i="1">
-                                      <a:effectLst/>
-                                      <a:latin typeface="Cambria Math" panose="02040503050406030204" pitchFamily="18" charset="0"/>
-                                      <a:ea typeface="SimSun" panose="02010600030101010101" pitchFamily="2" charset="-122"/>
-                                      <a:cs typeface="Times New Roman" panose="02020603050405020304" pitchFamily="18" charset="0"/>
-                                    </a:rPr>
-                                    <m:t>0</m:t>
-                                  </m:r>
-                                </m:sub>
-                              </m:sSub>
-                            </m:e>
-                          </m:d>
-                          <m:r>
-                            <a:rPr lang="en-US" sz="1800" i="1">
-                              <a:effectLst/>
-                              <a:latin typeface="Cambria Math" panose="02040503050406030204" pitchFamily="18" charset="0"/>
-                              <a:ea typeface="SimSun" panose="02010600030101010101" pitchFamily="2" charset="-122"/>
-                              <a:cs typeface="Times New Roman" panose="02020603050405020304" pitchFamily="18" charset="0"/>
-                            </a:rPr>
                             <m:t>∗</m:t>
-                          </m:r>
-                          <m:r>
-                            <a:rPr lang="en-US" sz="1800" i="1">
-                              <a:effectLst/>
-                              <a:latin typeface="Cambria Math" panose="02040503050406030204" pitchFamily="18" charset="0"/>
-                              <a:ea typeface="SimSun" panose="02010600030101010101" pitchFamily="2" charset="-122"/>
-                              <a:cs typeface="Times New Roman" panose="02020603050405020304" pitchFamily="18" charset="0"/>
-                            </a:rPr>
-                            <m:t>𝑡</m:t>
-                          </m:r>
-                          <m:r>
-                            <a:rPr lang="en-US" sz="1800" i="1">
-                              <a:effectLst/>
-                              <a:latin typeface="Cambria Math" panose="02040503050406030204" pitchFamily="18" charset="0"/>
-                              <a:ea typeface="SimSun" panose="02010600030101010101" pitchFamily="2" charset="-122"/>
-                              <a:cs typeface="Times New Roman" panose="02020603050405020304" pitchFamily="18" charset="0"/>
-                            </a:rPr>
-                            <m:t>)∗</m:t>
                           </m:r>
                           <m:r>
                             <m:rPr>
@@ -15433,16 +14822,16 @@
                               <a:ea typeface="SimSun" panose="02010600030101010101" pitchFamily="2" charset="-122"/>
                               <a:cs typeface="Times New Roman" panose="02020603050405020304" pitchFamily="18" charset="0"/>
                             </a:rPr>
-                            <m:t>−(</m:t>
+                            <m:t>−</m:t>
                           </m:r>
                           <m:r>
-                            <a:rPr lang="en-US" sz="1800" i="1">
+                            <a:rPr lang="en-US" sz="1800" i="1" smtClean="0">
                               <a:effectLst/>
                               <a:latin typeface="Cambria Math" panose="02040503050406030204" pitchFamily="18" charset="0"/>
                               <a:ea typeface="SimSun" panose="02010600030101010101" pitchFamily="2" charset="-122"/>
                               <a:cs typeface="Times New Roman" panose="02020603050405020304" pitchFamily="18" charset="0"/>
                             </a:rPr>
-                            <m:t>𝑚</m:t>
+                            <m:t> </m:t>
                           </m:r>
                           <m:r>
                             <a:rPr lang="en-US" sz="1800" i="1">
@@ -15452,42 +14841,6 @@
                               <a:cs typeface="Times New Roman" panose="02020603050405020304" pitchFamily="18" charset="0"/>
                             </a:rPr>
                             <m:t>(</m:t>
-                          </m:r>
-                          <m:r>
-                            <a:rPr lang="ru-RU" sz="1800" i="1">
-                              <a:effectLst/>
-                              <a:latin typeface="Cambria Math" panose="02040503050406030204" pitchFamily="18" charset="0"/>
-                              <a:ea typeface="SimSun" panose="02010600030101010101" pitchFamily="2" charset="-122"/>
-                              <a:cs typeface="Times New Roman" panose="02020603050405020304" pitchFamily="18" charset="0"/>
-                            </a:rPr>
-                            <m:t>𝑡</m:t>
-                          </m:r>
-                          <m:r>
-                            <a:rPr lang="en-US" sz="1800" i="1">
-                              <a:effectLst/>
-                              <a:latin typeface="Cambria Math" panose="02040503050406030204" pitchFamily="18" charset="0"/>
-                              <a:ea typeface="SimSun" panose="02010600030101010101" pitchFamily="2" charset="-122"/>
-                              <a:cs typeface="Times New Roman" panose="02020603050405020304" pitchFamily="18" charset="0"/>
-                            </a:rPr>
-                            <m:t>)</m:t>
-                          </m:r>
-                          <m:r>
-                            <a:rPr lang="en-US" sz="1800" i="1">
-                              <a:effectLst/>
-                              <a:latin typeface="Cambria Math" panose="02040503050406030204" pitchFamily="18" charset="0"/>
-                              <a:ea typeface="SimSun" panose="02010600030101010101" pitchFamily="2" charset="-122"/>
-                              <a:cs typeface="Times New Roman" panose="02020603050405020304" pitchFamily="18" charset="0"/>
-                            </a:rPr>
-                            <m:t>𝑔</m:t>
-                          </m:r>
-                          <m:r>
-                            <a:rPr lang="en-US" sz="1800" i="1">
-                              <a:effectLst/>
-                              <a:latin typeface="Cambria Math" panose="02040503050406030204" pitchFamily="18" charset="0"/>
-                              <a:ea typeface="SimSun" panose="02010600030101010101" pitchFamily="2" charset="-122"/>
-                              <a:cs typeface="Times New Roman" panose="02020603050405020304" pitchFamily="18" charset="0"/>
-                            </a:rPr>
-                            <m:t>)−(</m:t>
                           </m:r>
                           <m:f>
                             <m:fPr>
@@ -15915,7 +15268,7 @@
             </p:txBody>
           </p:sp>
         </mc:Choice>
-        <mc:Fallback xmlns="">
+        <mc:Fallback>
           <p:sp>
             <p:nvSpPr>
               <p:cNvPr id="22" name="TextBox 21">
@@ -15932,7 +15285,7 @@
             </p:nvSpPr>
             <p:spPr>
               <a:xfrm>
-                <a:off x="513678" y="6137301"/>
+                <a:off x="-1197879" y="4820955"/>
                 <a:ext cx="10633934" cy="1544654"/>
               </a:xfrm>
               <a:prstGeom prst="rect">
@@ -16024,6 +15377,73 @@
           </a:p>
         </p:txBody>
       </p:sp>
+      <p:pic>
+        <p:nvPicPr>
+          <p:cNvPr id="2" name="Рисунок 1">
+            <a:extLst>
+              <a:ext uri="{FF2B5EF4-FFF2-40B4-BE49-F238E27FC236}">
+                <a16:creationId xmlns:a16="http://schemas.microsoft.com/office/drawing/2014/main" id="{D62828F3-8F3A-F909-7C35-F14D52C9B344}"/>
+              </a:ext>
+            </a:extLst>
+          </p:cNvPr>
+          <p:cNvPicPr>
+            <a:picLocks noChangeAspect="1"/>
+          </p:cNvPicPr>
+          <p:nvPr/>
+        </p:nvPicPr>
+        <p:blipFill>
+          <a:blip r:embed="rId6">
+            <a:extLst>
+              <a:ext uri="{28A0092B-C50C-407E-A947-70E740481C1C}">
+                <a14:useLocalDpi xmlns:a14="http://schemas.microsoft.com/office/drawing/2010/main" val="0"/>
+              </a:ext>
+            </a:extLst>
+          </a:blip>
+          <a:srcRect/>
+          <a:stretch>
+            <a:fillRect/>
+          </a:stretch>
+        </p:blipFill>
+        <p:spPr bwMode="auto">
+          <a:xfrm>
+            <a:off x="8885356" y="3114299"/>
+            <a:ext cx="4957966" cy="4957966"/>
+          </a:xfrm>
+          <a:prstGeom prst="rect">
+            <a:avLst/>
+          </a:prstGeom>
+          <a:solidFill>
+            <a:srgbClr val="FFFFFF">
+              <a:shade val="85000"/>
+            </a:srgbClr>
+          </a:solidFill>
+          <a:ln w="88900" cap="sq">
+            <a:solidFill>
+              <a:srgbClr val="FFFFFF"/>
+            </a:solidFill>
+            <a:miter lim="800000"/>
+          </a:ln>
+          <a:effectLst>
+            <a:outerShdw blurRad="55000" dist="18000" dir="5400000" algn="tl" rotWithShape="0">
+              <a:srgbClr val="000000">
+                <a:alpha val="40000"/>
+              </a:srgbClr>
+            </a:outerShdw>
+          </a:effectLst>
+          <a:scene3d>
+            <a:camera prst="orthographicFront"/>
+            <a:lightRig rig="twoPt" dir="t">
+              <a:rot lat="0" lon="0" rev="7200000"/>
+            </a:lightRig>
+          </a:scene3d>
+          <a:sp3d>
+            <a:bevelT w="25400" h="19050"/>
+            <a:contourClr>
+              <a:srgbClr val="FFFFFF"/>
+            </a:contourClr>
+          </a:sp3d>
+        </p:spPr>
+      </p:pic>
     </p:spTree>
   </p:cSld>
   <p:clrMapOvr>
@@ -16497,6 +15917,16 @@
                 <a:ea typeface="Barlow"/>
               </a:rPr>
               <a:t>Запуск</a:t>
+            </a:r>
+            <a:r>
+              <a:rPr lang="ru-RU" sz="1900" b="0" strike="noStrike" spc="-1" dirty="0">
+                <a:solidFill>
+                  <a:srgbClr val="E0E4E6"/>
+                </a:solidFill>
+                <a:latin typeface="Barlow"/>
+                <a:ea typeface="Barlow"/>
+              </a:rPr>
+              <a:t>  ракеты-носителя</a:t>
             </a:r>
             <a:endParaRPr lang="ru-RU" sz="1900" b="0" strike="noStrike" spc="-1" dirty="0">
               <a:solidFill>

--- a/Презентация Луна-2.pptx
+++ b/Презентация Луна-2.pptx
@@ -11480,8 +11480,8 @@
           </p:sp>
         </mc:Fallback>
       </mc:AlternateContent>
-      <mc:AlternateContent xmlns:mc="http://schemas.openxmlformats.org/markup-compatibility/2006">
-        <mc:Choice xmlns:a14="http://schemas.microsoft.com/office/drawing/2010/main" Requires="a14">
+      <mc:AlternateContent xmlns:mc="http://schemas.openxmlformats.org/markup-compatibility/2006" xmlns:a14="http://schemas.microsoft.com/office/drawing/2010/main">
+        <mc:Choice Requires="a14">
           <p:sp>
             <p:nvSpPr>
               <p:cNvPr id="8" name="TextBox 7">
@@ -11570,7 +11570,7 @@
             </p:txBody>
           </p:sp>
         </mc:Choice>
-        <mc:Fallback>
+        <mc:Fallback xmlns="">
           <p:sp>
             <p:nvSpPr>
               <p:cNvPr id="8" name="TextBox 7">
@@ -13004,8 +13004,8 @@
           </p:sp>
         </mc:Fallback>
       </mc:AlternateContent>
-      <mc:AlternateContent xmlns:mc="http://schemas.openxmlformats.org/markup-compatibility/2006">
-        <mc:Choice xmlns:a14="http://schemas.microsoft.com/office/drawing/2010/main" Requires="a14">
+      <mc:AlternateContent xmlns:mc="http://schemas.openxmlformats.org/markup-compatibility/2006" xmlns:a14="http://schemas.microsoft.com/office/drawing/2010/main">
+        <mc:Choice Requires="a14">
           <p:sp>
             <p:nvSpPr>
               <p:cNvPr id="28" name="TextBox 27">
@@ -13091,7 +13091,7 @@
             </p:txBody>
           </p:sp>
         </mc:Choice>
-        <mc:Fallback>
+        <mc:Fallback xmlns="">
           <p:sp>
             <p:nvSpPr>
               <p:cNvPr id="28" name="TextBox 27">
@@ -13245,8 +13245,8 @@
           </a:p>
         </p:txBody>
       </p:sp>
-      <mc:AlternateContent xmlns:mc="http://schemas.openxmlformats.org/markup-compatibility/2006">
-        <mc:Choice xmlns:a14="http://schemas.microsoft.com/office/drawing/2010/main" Requires="a14">
+      <mc:AlternateContent xmlns:mc="http://schemas.openxmlformats.org/markup-compatibility/2006" xmlns:a14="http://schemas.microsoft.com/office/drawing/2010/main">
+        <mc:Choice Requires="a14">
           <p:sp>
             <p:nvSpPr>
               <p:cNvPr id="16" name="TextBox 15">
@@ -13337,18 +13337,24 @@
                           <m:sSub>
                             <m:sSubPr>
                               <m:ctrlPr>
-                                <a:rPr lang="ru-RU" i="1"/>
+                                <a:rPr lang="ru-RU" i="1">
+                                  <a:latin typeface="Cambria Math" panose="02040503050406030204" pitchFamily="18" charset="0"/>
+                                </a:rPr>
                               </m:ctrlPr>
                             </m:sSubPr>
                             <m:e>
                               <m:r>
-                                <a:rPr lang="ru-RU" i="1"/>
+                                <a:rPr lang="ru-RU" i="1">
+                                  <a:latin typeface="Cambria Math" panose="02040503050406030204" pitchFamily="18" charset="0"/>
+                                </a:rPr>
                                 <m:t>𝐹</m:t>
                               </m:r>
                             </m:e>
                             <m:sub>
                               <m:r>
-                                <a:rPr lang="ru-RU"/>
+                                <a:rPr lang="ru-RU">
+                                  <a:latin typeface="Cambria Math" panose="02040503050406030204" pitchFamily="18" charset="0"/>
+                                </a:rPr>
                                 <m:t>тяги</m:t>
                               </m:r>
                             </m:sub>
@@ -13688,7 +13694,7 @@
             </p:txBody>
           </p:sp>
         </mc:Choice>
-        <mc:Fallback>
+        <mc:Fallback xmlns="">
           <p:sp>
             <p:nvSpPr>
               <p:cNvPr id="16" name="TextBox 15">
@@ -13733,8 +13739,8 @@
           </p:sp>
         </mc:Fallback>
       </mc:AlternateContent>
-      <mc:AlternateContent xmlns:mc="http://schemas.openxmlformats.org/markup-compatibility/2006">
-        <mc:Choice xmlns:a14="http://schemas.microsoft.com/office/drawing/2010/main" Requires="a14">
+      <mc:AlternateContent xmlns:mc="http://schemas.openxmlformats.org/markup-compatibility/2006" xmlns:a14="http://schemas.microsoft.com/office/drawing/2010/main">
+        <mc:Choice Requires="a14">
           <p:sp>
             <p:nvSpPr>
               <p:cNvPr id="20" name="TextBox 19">
@@ -13901,18 +13907,24 @@
                           <m:sSub>
                             <m:sSubPr>
                               <m:ctrlPr>
-                                <a:rPr lang="ru-RU" i="1"/>
+                                <a:rPr lang="ru-RU" i="1">
+                                  <a:latin typeface="Cambria Math" panose="02040503050406030204" pitchFamily="18" charset="0"/>
+                                </a:rPr>
                               </m:ctrlPr>
                             </m:sSubPr>
                             <m:e>
                               <m:r>
-                                <a:rPr lang="ru-RU" i="1"/>
+                                <a:rPr lang="ru-RU" i="1">
+                                  <a:latin typeface="Cambria Math" panose="02040503050406030204" pitchFamily="18" charset="0"/>
+                                </a:rPr>
                                 <m:t>𝐹</m:t>
                               </m:r>
                             </m:e>
                             <m:sub>
                               <m:r>
-                                <a:rPr lang="ru-RU"/>
+                                <a:rPr lang="ru-RU">
+                                  <a:latin typeface="Cambria Math" panose="02040503050406030204" pitchFamily="18" charset="0"/>
+                                </a:rPr>
                                 <m:t>тяги</m:t>
                               </m:r>
                             </m:sub>
@@ -14514,7 +14526,7 @@
             </p:txBody>
           </p:sp>
         </mc:Choice>
-        <mc:Fallback>
+        <mc:Fallback xmlns="">
           <p:sp>
             <p:nvSpPr>
               <p:cNvPr id="20" name="TextBox 19">
@@ -14559,8 +14571,8 @@
           </p:sp>
         </mc:Fallback>
       </mc:AlternateContent>
-      <mc:AlternateContent xmlns:mc="http://schemas.openxmlformats.org/markup-compatibility/2006">
-        <mc:Choice xmlns:a14="http://schemas.microsoft.com/office/drawing/2010/main" Requires="a14">
+      <mc:AlternateContent xmlns:mc="http://schemas.openxmlformats.org/markup-compatibility/2006" xmlns:a14="http://schemas.microsoft.com/office/drawing/2010/main">
+        <mc:Choice Requires="a14">
           <p:sp>
             <p:nvSpPr>
               <p:cNvPr id="22" name="TextBox 21">
@@ -14718,18 +14730,24 @@
                           <m:sSub>
                             <m:sSubPr>
                               <m:ctrlPr>
-                                <a:rPr lang="ru-RU" i="1"/>
+                                <a:rPr lang="ru-RU" i="1">
+                                  <a:latin typeface="Cambria Math" panose="02040503050406030204" pitchFamily="18" charset="0"/>
+                                </a:rPr>
                               </m:ctrlPr>
                             </m:sSubPr>
                             <m:e>
                               <m:r>
-                                <a:rPr lang="ru-RU" i="1"/>
+                                <a:rPr lang="ru-RU" i="1">
+                                  <a:latin typeface="Cambria Math" panose="02040503050406030204" pitchFamily="18" charset="0"/>
+                                </a:rPr>
                                 <m:t>𝐹</m:t>
                               </m:r>
                             </m:e>
                             <m:sub>
                               <m:r>
-                                <a:rPr lang="ru-RU"/>
+                                <a:rPr lang="ru-RU">
+                                  <a:latin typeface="Cambria Math" panose="02040503050406030204" pitchFamily="18" charset="0"/>
+                                </a:rPr>
                                 <m:t>тяги</m:t>
                               </m:r>
                             </m:sub>
@@ -15268,7 +15286,7 @@
             </p:txBody>
           </p:sp>
         </mc:Choice>
-        <mc:Fallback>
+        <mc:Fallback xmlns="">
           <p:sp>
             <p:nvSpPr>
               <p:cNvPr id="22" name="TextBox 21">
@@ -16383,7 +16401,7 @@
         </p:nvSpPr>
         <p:spPr>
           <a:xfrm>
-            <a:off x="864000" y="1160640"/>
+            <a:off x="1384861" y="790250"/>
             <a:ext cx="12902040" cy="1371240"/>
           </a:xfrm>
           <a:prstGeom prst="rect">
@@ -16421,16 +16439,56 @@
               </a:tabLst>
             </a:pPr>
             <a:r>
-              <a:rPr lang="en-US" sz="4300" b="1" strike="noStrike" spc="-1">
+              <a:rPr lang="en-US" sz="4300" b="1" strike="noStrike" spc="-1" dirty="0" err="1">
                 <a:solidFill>
                   <a:srgbClr val="F0FCFF"/>
                 </a:solidFill>
                 <a:latin typeface="Spline Sans Bold"/>
                 <a:ea typeface="Spline Sans Bold"/>
               </a:rPr>
-              <a:t>Сравнение KSP и физико-математической модели</a:t>
-            </a:r>
-            <a:endParaRPr lang="ru-RU" sz="4300" b="0" strike="noStrike" spc="-1">
+              <a:t>Сравнение</a:t>
+            </a:r>
+            <a:r>
+              <a:rPr lang="en-US" sz="4300" b="1" strike="noStrike" spc="-1" dirty="0">
+                <a:solidFill>
+                  <a:srgbClr val="F0FCFF"/>
+                </a:solidFill>
+                <a:latin typeface="Spline Sans Bold"/>
+                <a:ea typeface="Spline Sans Bold"/>
+              </a:rPr>
+              <a:t> KSP и </a:t>
+            </a:r>
+            <a:r>
+              <a:rPr lang="en-US" sz="4300" b="1" strike="noStrike" spc="-1" dirty="0" err="1">
+                <a:solidFill>
+                  <a:srgbClr val="F0FCFF"/>
+                </a:solidFill>
+                <a:latin typeface="Spline Sans Bold"/>
+                <a:ea typeface="Spline Sans Bold"/>
+              </a:rPr>
+              <a:t>физико-математической</a:t>
+            </a:r>
+            <a:r>
+              <a:rPr lang="en-US" sz="4300" b="1" strike="noStrike" spc="-1" dirty="0">
+                <a:solidFill>
+                  <a:srgbClr val="F0FCFF"/>
+                </a:solidFill>
+                <a:latin typeface="Spline Sans Bold"/>
+                <a:ea typeface="Spline Sans Bold"/>
+              </a:rPr>
+              <a:t> </a:t>
+            </a:r>
+            <a:r>
+              <a:rPr lang="en-US" sz="4300" b="1" strike="noStrike" spc="-1" dirty="0" err="1">
+                <a:solidFill>
+                  <a:srgbClr val="F0FCFF"/>
+                </a:solidFill>
+                <a:latin typeface="Spline Sans Bold"/>
+                <a:ea typeface="Spline Sans Bold"/>
+              </a:rPr>
+              <a:t>модели</a:t>
+            </a:r>
+            <a:endParaRPr lang="ru-RU" sz="4300" b="0" strike="noStrike" spc="-1" dirty="0">
               <a:solidFill>
                 <a:srgbClr val="000000"/>
               </a:solidFill>
@@ -16441,10 +16499,10 @@
       </p:sp>
       <p:pic>
         <p:nvPicPr>
-          <p:cNvPr id="4" name="Рисунок 3">
+          <p:cNvPr id="6" name="Рисунок 5">
             <a:extLst>
               <a:ext uri="{FF2B5EF4-FFF2-40B4-BE49-F238E27FC236}">
-                <a16:creationId xmlns:a16="http://schemas.microsoft.com/office/drawing/2014/main" id="{4C882E24-11F3-4F74-BF05-0FFEAE0F6389}"/>
+                <a16:creationId xmlns:a16="http://schemas.microsoft.com/office/drawing/2014/main" id="{5EA263F9-2CCD-3077-3C70-BE565E386640}"/>
               </a:ext>
             </a:extLst>
           </p:cNvPr>
@@ -16454,21 +16512,15 @@
           <p:nvPr/>
         </p:nvPicPr>
         <p:blipFill>
-          <a:blip r:embed="rId3">
-            <a:extLst>
-              <a:ext uri="{28A0092B-C50C-407E-A947-70E740481C1C}">
-                <a14:useLocalDpi xmlns:a14="http://schemas.microsoft.com/office/drawing/2010/main" val="0"/>
-              </a:ext>
-            </a:extLst>
-          </a:blip>
+          <a:blip r:embed="rId3"/>
           <a:stretch>
             <a:fillRect/>
           </a:stretch>
         </p:blipFill>
         <p:spPr>
           <a:xfrm>
-            <a:off x="1148465" y="2032921"/>
-            <a:ext cx="11558919" cy="5798919"/>
+            <a:off x="2031881" y="1759353"/>
+            <a:ext cx="10190985" cy="6084666"/>
           </a:xfrm>
           <a:prstGeom prst="rect">
             <a:avLst/>

--- a/Презентация Луна-2.pptx
+++ b/Презентация Луна-2.pptx
@@ -12479,12 +12479,11 @@
               </a:spcAft>
             </a:pPr>
             <a:r>
-              <a:rPr lang="en-US" sz="1800" dirty="0">
-                <a:effectLst/>
+              <a:rPr lang="en-US" dirty="0">
                 <a:latin typeface="Times New Roman" panose="02020603050405020304" pitchFamily="18" charset="0"/>
                 <a:ea typeface="SimSun" panose="02010600030101010101" pitchFamily="2" charset="-122"/>
               </a:rPr>
-              <a:t>g</a:t>
+              <a:t>G</a:t>
             </a:r>
             <a:r>
               <a:rPr lang="ru-RU" sz="1800" dirty="0">
@@ -12492,7 +12491,7 @@
                 <a:latin typeface="Times New Roman" panose="02020603050405020304" pitchFamily="18" charset="0"/>
                 <a:ea typeface="SimSun" panose="02010600030101010101" pitchFamily="2" charset="-122"/>
               </a:rPr>
-              <a:t> – ускорение свободного падения</a:t>
+              <a:t> – гравитационная постоянная</a:t>
             </a:r>
             <a:endParaRPr lang="ru-RU" sz="1400" dirty="0">
               <a:effectLst/>
@@ -13136,6 +13135,259 @@
           </p:sp>
         </mc:Fallback>
       </mc:AlternateContent>
+      <mc:AlternateContent xmlns:mc="http://schemas.openxmlformats.org/markup-compatibility/2006">
+        <mc:Choice xmlns:a14="http://schemas.microsoft.com/office/drawing/2010/main" Requires="a14">
+          <p:sp>
+            <p:nvSpPr>
+              <p:cNvPr id="3" name="TextBox 2">
+                <a:extLst>
+                  <a:ext uri="{FF2B5EF4-FFF2-40B4-BE49-F238E27FC236}">
+                    <a16:creationId xmlns:a16="http://schemas.microsoft.com/office/drawing/2014/main" id="{2C84F350-2F14-0336-F9FF-77CEF2808380}"/>
+                  </a:ext>
+                </a:extLst>
+              </p:cNvPr>
+              <p:cNvSpPr txBox="1"/>
+              <p:nvPr/>
+            </p:nvSpPr>
+            <p:spPr>
+              <a:xfrm>
+                <a:off x="-944305" y="5573456"/>
+                <a:ext cx="7702950" cy="369332"/>
+              </a:xfrm>
+              <a:prstGeom prst="rect">
+                <a:avLst/>
+              </a:prstGeom>
+              <a:noFill/>
+            </p:spPr>
+            <p:txBody>
+              <a:bodyPr wrap="square">
+                <a:spAutoFit/>
+              </a:bodyPr>
+              <a:lstStyle/>
+              <a:p>
+                <a:pPr/>
+                <a14:m>
+                  <m:oMathPara xmlns:m="http://schemas.openxmlformats.org/officeDocument/2006/math">
+                    <m:oMathParaPr>
+                      <m:jc m:val="centerGroup"/>
+                    </m:oMathParaPr>
+                    <m:oMath xmlns:m="http://schemas.openxmlformats.org/officeDocument/2006/math">
+                      <m:sSub>
+                        <m:sSubPr>
+                          <m:ctrlPr>
+                            <a:rPr lang="ru-RU" i="1" smtClean="0">
+                              <a:solidFill>
+                                <a:srgbClr val="836967"/>
+                              </a:solidFill>
+                              <a:latin typeface="Cambria Math" panose="02040503050406030204" pitchFamily="18" charset="0"/>
+                            </a:rPr>
+                          </m:ctrlPr>
+                        </m:sSubPr>
+                        <m:e>
+                          <m:r>
+                            <a:rPr lang="ru-RU" i="1">
+                              <a:latin typeface="Cambria Math" panose="02040503050406030204" pitchFamily="18" charset="0"/>
+                            </a:rPr>
+                            <m:t>𝐹</m:t>
+                          </m:r>
+                        </m:e>
+                        <m:sub>
+                          <m:r>
+                            <a:rPr lang="ru-RU" b="0" i="0" smtClean="0">
+                              <a:latin typeface="Cambria Math" panose="02040503050406030204" pitchFamily="18" charset="0"/>
+                            </a:rPr>
+                            <m:t>тяж</m:t>
+                          </m:r>
+                        </m:sub>
+                      </m:sSub>
+                      <m:d>
+                        <m:dPr>
+                          <m:ctrlPr>
+                            <a:rPr lang="ru-RU" i="1">
+                              <a:latin typeface="Cambria Math" panose="02040503050406030204" pitchFamily="18" charset="0"/>
+                            </a:rPr>
+                          </m:ctrlPr>
+                        </m:dPr>
+                        <m:e>
+                          <m:r>
+                            <a:rPr lang="en-US" b="0" i="1" smtClean="0">
+                              <a:latin typeface="Cambria Math" panose="02040503050406030204" pitchFamily="18" charset="0"/>
+                            </a:rPr>
+                            <m:t>𝑦</m:t>
+                          </m:r>
+                        </m:e>
+                      </m:d>
+                      <m:r>
+                        <a:rPr lang="ru-RU" i="0">
+                          <a:latin typeface="Cambria Math" panose="02040503050406030204" pitchFamily="18" charset="0"/>
+                        </a:rPr>
+                        <m:t>=</m:t>
+                      </m:r>
+                      <m:d>
+                        <m:dPr>
+                          <m:ctrlPr>
+                            <a:rPr lang="ru-RU" i="1">
+                              <a:latin typeface="Cambria Math" panose="02040503050406030204" pitchFamily="18" charset="0"/>
+                            </a:rPr>
+                          </m:ctrlPr>
+                        </m:dPr>
+                        <m:e>
+                          <m:r>
+                            <a:rPr lang="en-US" i="1">
+                              <a:latin typeface="Cambria Math" panose="02040503050406030204" pitchFamily="18" charset="0"/>
+                            </a:rPr>
+                            <m:t>𝐺𝑚</m:t>
+                          </m:r>
+                          <m:d>
+                            <m:dPr>
+                              <m:ctrlPr>
+                                <a:rPr lang="en-US" i="1">
+                                  <a:latin typeface="Cambria Math" panose="02040503050406030204" pitchFamily="18" charset="0"/>
+                                </a:rPr>
+                              </m:ctrlPr>
+                            </m:dPr>
+                            <m:e>
+                              <m:r>
+                                <a:rPr lang="en-US" i="1">
+                                  <a:latin typeface="Cambria Math" panose="02040503050406030204" pitchFamily="18" charset="0"/>
+                                </a:rPr>
+                                <m:t>𝑡</m:t>
+                              </m:r>
+                            </m:e>
+                          </m:d>
+                          <m:r>
+                            <a:rPr lang="en-US" i="1">
+                              <a:latin typeface="Cambria Math" panose="02040503050406030204" pitchFamily="18" charset="0"/>
+                            </a:rPr>
+                            <m:t>𝑀</m:t>
+                          </m:r>
+                          <m:r>
+                            <a:rPr lang="en-US" i="1">
+                              <a:latin typeface="Cambria Math" panose="02040503050406030204" pitchFamily="18" charset="0"/>
+                            </a:rPr>
+                            <m:t>/</m:t>
+                          </m:r>
+                          <m:sSup>
+                            <m:sSupPr>
+                              <m:ctrlPr>
+                                <a:rPr lang="en-US" i="1">
+                                  <a:latin typeface="Cambria Math" panose="02040503050406030204" pitchFamily="18" charset="0"/>
+                                </a:rPr>
+                              </m:ctrlPr>
+                            </m:sSupPr>
+                            <m:e>
+                              <m:r>
+                                <a:rPr lang="en-US" i="1">
+                                  <a:latin typeface="Cambria Math" panose="02040503050406030204" pitchFamily="18" charset="0"/>
+                                </a:rPr>
+                                <m:t>(</m:t>
+                              </m:r>
+                              <m:r>
+                                <a:rPr lang="en-US" i="1">
+                                  <a:latin typeface="Cambria Math" panose="02040503050406030204" pitchFamily="18" charset="0"/>
+                                </a:rPr>
+                                <m:t>𝑅</m:t>
+                              </m:r>
+                              <m:r>
+                                <a:rPr lang="en-US" i="1">
+                                  <a:latin typeface="Cambria Math" panose="02040503050406030204" pitchFamily="18" charset="0"/>
+                                </a:rPr>
+                                <m:t>+</m:t>
+                              </m:r>
+                              <m:r>
+                                <a:rPr lang="en-US" b="0" i="1" smtClean="0">
+                                  <a:latin typeface="Cambria Math" panose="02040503050406030204" pitchFamily="18" charset="0"/>
+                                </a:rPr>
+                                <m:t>𝑦</m:t>
+                              </m:r>
+                              <m:d>
+                                <m:dPr>
+                                  <m:ctrlPr>
+                                    <a:rPr lang="en-US" i="1">
+                                      <a:latin typeface="Cambria Math" panose="02040503050406030204" pitchFamily="18" charset="0"/>
+                                    </a:rPr>
+                                  </m:ctrlPr>
+                                </m:dPr>
+                                <m:e>
+                                  <m:r>
+                                    <a:rPr lang="en-US" i="1">
+                                      <a:latin typeface="Cambria Math" panose="02040503050406030204" pitchFamily="18" charset="0"/>
+                                    </a:rPr>
+                                    <m:t>𝑡</m:t>
+                                  </m:r>
+                                </m:e>
+                              </m:d>
+                              <m:r>
+                                <a:rPr lang="en-US" i="1">
+                                  <a:latin typeface="Cambria Math" panose="02040503050406030204" pitchFamily="18" charset="0"/>
+                                </a:rPr>
+                                <m:t>)</m:t>
+                              </m:r>
+                            </m:e>
+                            <m:sup>
+                              <m:r>
+                                <a:rPr lang="ru-RU" i="1">
+                                  <a:latin typeface="Cambria Math" panose="02040503050406030204" pitchFamily="18" charset="0"/>
+                                </a:rPr>
+                                <m:t>2</m:t>
+                              </m:r>
+                            </m:sup>
+                          </m:sSup>
+                        </m:e>
+                      </m:d>
+                    </m:oMath>
+                  </m:oMathPara>
+                </a14:m>
+                <a:endParaRPr lang="ru-RU" dirty="0"/>
+              </a:p>
+            </p:txBody>
+          </p:sp>
+        </mc:Choice>
+        <mc:Fallback>
+          <p:sp>
+            <p:nvSpPr>
+              <p:cNvPr id="3" name="TextBox 2">
+                <a:extLst>
+                  <a:ext uri="{FF2B5EF4-FFF2-40B4-BE49-F238E27FC236}">
+                    <a16:creationId xmlns:a16="http://schemas.microsoft.com/office/drawing/2014/main" id="{2C84F350-2F14-0336-F9FF-77CEF2808380}"/>
+                  </a:ext>
+                </a:extLst>
+              </p:cNvPr>
+              <p:cNvSpPr txBox="1">
+                <a:spLocks noRot="1" noChangeAspect="1" noMove="1" noResize="1" noEditPoints="1" noAdjustHandles="1" noChangeArrowheads="1" noChangeShapeType="1" noTextEdit="1"/>
+              </p:cNvSpPr>
+              <p:nvPr/>
+            </p:nvSpPr>
+            <p:spPr>
+              <a:xfrm>
+                <a:off x="-944305" y="5573456"/>
+                <a:ext cx="7702950" cy="369332"/>
+              </a:xfrm>
+              <a:prstGeom prst="rect">
+                <a:avLst/>
+              </a:prstGeom>
+              <a:blipFill>
+                <a:blip r:embed="rId12"/>
+                <a:stretch>
+                  <a:fillRect b="-16393"/>
+                </a:stretch>
+              </a:blipFill>
+            </p:spPr>
+            <p:txBody>
+              <a:bodyPr/>
+              <a:lstStyle/>
+              <a:p>
+                <a:r>
+                  <a:rPr lang="ru-RU">
+                    <a:noFill/>
+                  </a:rPr>
+                  <a:t> </a:t>
+                </a:r>
+              </a:p>
+            </p:txBody>
+          </p:sp>
+        </mc:Fallback>
+      </mc:AlternateContent>
     </p:spTree>
   </p:cSld>
   <p:clrMapOvr>
@@ -13245,8 +13497,8 @@
           </a:p>
         </p:txBody>
       </p:sp>
-      <mc:AlternateContent xmlns:mc="http://schemas.openxmlformats.org/markup-compatibility/2006" xmlns:a14="http://schemas.microsoft.com/office/drawing/2010/main">
-        <mc:Choice Requires="a14">
+      <mc:AlternateContent xmlns:mc="http://schemas.openxmlformats.org/markup-compatibility/2006">
+        <mc:Choice xmlns:a14="http://schemas.microsoft.com/office/drawing/2010/main" Requires="a14">
           <p:sp>
             <p:nvSpPr>
               <p:cNvPr id="16" name="TextBox 15">
@@ -13375,22 +13627,22 @@
                             </m:dPr>
                             <m:e>
                               <m:r>
-                                <a:rPr lang="ru-RU" i="1">
+                                <a:rPr lang="en-US" b="0" i="1" smtClean="0">
                                   <a:latin typeface="Cambria Math" panose="02040503050406030204" pitchFamily="18" charset="0"/>
                                 </a:rPr>
-                                <m:t>𝑚</m:t>
+                                <m:t>𝐺𝑚</m:t>
                               </m:r>
                               <m:d>
                                 <m:dPr>
                                   <m:ctrlPr>
-                                    <a:rPr lang="ru-RU" i="1">
+                                    <a:rPr lang="en-US" b="0" i="1" smtClean="0">
                                       <a:latin typeface="Cambria Math" panose="02040503050406030204" pitchFamily="18" charset="0"/>
                                     </a:rPr>
                                   </m:ctrlPr>
                                 </m:dPr>
                                 <m:e>
                                   <m:r>
-                                    <a:rPr lang="ru-RU" i="1">
+                                    <a:rPr lang="en-US" b="0" i="1" smtClean="0">
                                       <a:latin typeface="Cambria Math" panose="02040503050406030204" pitchFamily="18" charset="0"/>
                                     </a:rPr>
                                     <m:t>𝑡</m:t>
@@ -13398,11 +13650,78 @@
                                 </m:e>
                               </m:d>
                               <m:r>
-                                <a:rPr lang="ru-RU" i="1">
+                                <a:rPr lang="en-US" b="0" i="1" smtClean="0">
                                   <a:latin typeface="Cambria Math" panose="02040503050406030204" pitchFamily="18" charset="0"/>
                                 </a:rPr>
-                                <m:t>𝑔</m:t>
+                                <m:t>𝑀</m:t>
                               </m:r>
+                              <m:r>
+                                <a:rPr lang="en-US" b="0" i="1" smtClean="0">
+                                  <a:latin typeface="Cambria Math" panose="02040503050406030204" pitchFamily="18" charset="0"/>
+                                </a:rPr>
+                                <m:t>/</m:t>
+                              </m:r>
+                              <m:sSup>
+                                <m:sSupPr>
+                                  <m:ctrlPr>
+                                    <a:rPr lang="en-US" b="0" i="1" smtClean="0">
+                                      <a:latin typeface="Cambria Math" panose="02040503050406030204" pitchFamily="18" charset="0"/>
+                                    </a:rPr>
+                                  </m:ctrlPr>
+                                </m:sSupPr>
+                                <m:e>
+                                  <m:r>
+                                    <a:rPr lang="en-US" i="1">
+                                      <a:latin typeface="Cambria Math" panose="02040503050406030204" pitchFamily="18" charset="0"/>
+                                    </a:rPr>
+                                    <m:t>(</m:t>
+                                  </m:r>
+                                  <m:r>
+                                    <a:rPr lang="en-US" i="1">
+                                      <a:latin typeface="Cambria Math" panose="02040503050406030204" pitchFamily="18" charset="0"/>
+                                    </a:rPr>
+                                    <m:t>𝑅</m:t>
+                                  </m:r>
+                                  <m:r>
+                                    <a:rPr lang="en-US" i="1">
+                                      <a:latin typeface="Cambria Math" panose="02040503050406030204" pitchFamily="18" charset="0"/>
+                                    </a:rPr>
+                                    <m:t>+</m:t>
+                                  </m:r>
+                                  <m:r>
+                                    <a:rPr lang="en-US" b="0" i="1" smtClean="0">
+                                      <a:latin typeface="Cambria Math" panose="02040503050406030204" pitchFamily="18" charset="0"/>
+                                    </a:rPr>
+                                    <m:t>𝑦</m:t>
+                                  </m:r>
+                                  <m:r>
+                                    <a:rPr lang="en-US" b="0" i="1" smtClean="0">
+                                      <a:latin typeface="Cambria Math" panose="02040503050406030204" pitchFamily="18" charset="0"/>
+                                    </a:rPr>
+                                    <m:t>(</m:t>
+                                  </m:r>
+                                  <m:r>
+                                    <a:rPr lang="en-US" b="0" i="1" smtClean="0">
+                                      <a:latin typeface="Cambria Math" panose="02040503050406030204" pitchFamily="18" charset="0"/>
+                                    </a:rPr>
+                                    <m:t>𝑡</m:t>
+                                  </m:r>
+                                  <m:r>
+                                    <a:rPr lang="en-US" b="0" i="1" smtClean="0">
+                                      <a:latin typeface="Cambria Math" panose="02040503050406030204" pitchFamily="18" charset="0"/>
+                                    </a:rPr>
+                                    <m:t>))</m:t>
+                                  </m:r>
+                                </m:e>
+                                <m:sup>
+                                  <m:r>
+                                    <a:rPr lang="ru-RU" b="0" i="1" smtClean="0">
+                                      <a:latin typeface="Cambria Math" panose="02040503050406030204" pitchFamily="18" charset="0"/>
+                                    </a:rPr>
+                                    <m:t>2</m:t>
+                                  </m:r>
+                                </m:sup>
+                              </m:sSup>
                             </m:e>
                           </m:d>
                           <m:r>
@@ -13694,7 +14013,7 @@
             </p:txBody>
           </p:sp>
         </mc:Choice>
-        <mc:Fallback xmlns="">
+        <mc:Fallback>
           <p:sp>
             <p:nvSpPr>
               <p:cNvPr id="16" name="TextBox 15">
@@ -13739,8 +14058,8 @@
           </p:sp>
         </mc:Fallback>
       </mc:AlternateContent>
-      <mc:AlternateContent xmlns:mc="http://schemas.openxmlformats.org/markup-compatibility/2006" xmlns:a14="http://schemas.microsoft.com/office/drawing/2010/main">
-        <mc:Choice Requires="a14">
+      <mc:AlternateContent xmlns:mc="http://schemas.openxmlformats.org/markup-compatibility/2006">
+        <mc:Choice xmlns:a14="http://schemas.microsoft.com/office/drawing/2010/main" Requires="a14">
           <p:sp>
             <p:nvSpPr>
               <p:cNvPr id="20" name="TextBox 19">
@@ -14017,8 +14336,120 @@
                               <a:ea typeface="SimSun" panose="02010600030101010101" pitchFamily="2" charset="-122"/>
                               <a:cs typeface="Times New Roman" panose="02020603050405020304" pitchFamily="18" charset="0"/>
                             </a:rPr>
-                            <m:t>−(</m:t>
+                            <m:t>−</m:t>
                           </m:r>
+                          <m:d>
+                            <m:dPr>
+                              <m:ctrlPr>
+                                <a:rPr lang="ru-RU" i="1" smtClean="0">
+                                  <a:latin typeface="Cambria Math" panose="02040503050406030204" pitchFamily="18" charset="0"/>
+                                </a:rPr>
+                              </m:ctrlPr>
+                            </m:dPr>
+                            <m:e>
+                              <m:r>
+                                <a:rPr lang="en-US" i="1">
+                                  <a:latin typeface="Cambria Math" panose="02040503050406030204" pitchFamily="18" charset="0"/>
+                                </a:rPr>
+                                <m:t>𝐺𝑚</m:t>
+                              </m:r>
+                              <m:d>
+                                <m:dPr>
+                                  <m:ctrlPr>
+                                    <a:rPr lang="en-US" i="1">
+                                      <a:latin typeface="Cambria Math" panose="02040503050406030204" pitchFamily="18" charset="0"/>
+                                    </a:rPr>
+                                  </m:ctrlPr>
+                                </m:dPr>
+                                <m:e>
+                                  <m:r>
+                                    <a:rPr lang="en-US" i="1">
+                                      <a:latin typeface="Cambria Math" panose="02040503050406030204" pitchFamily="18" charset="0"/>
+                                    </a:rPr>
+                                    <m:t>𝑡</m:t>
+                                  </m:r>
+                                </m:e>
+                              </m:d>
+                              <m:r>
+                                <a:rPr lang="en-US" i="1">
+                                  <a:latin typeface="Cambria Math" panose="02040503050406030204" pitchFamily="18" charset="0"/>
+                                </a:rPr>
+                                <m:t>𝑀</m:t>
+                              </m:r>
+                              <m:r>
+                                <a:rPr lang="en-US" i="1">
+                                  <a:latin typeface="Cambria Math" panose="02040503050406030204" pitchFamily="18" charset="0"/>
+                                </a:rPr>
+                                <m:t>/</m:t>
+                              </m:r>
+                              <m:sSup>
+                                <m:sSupPr>
+                                  <m:ctrlPr>
+                                    <a:rPr lang="en-US" i="1" smtClean="0">
+                                      <a:latin typeface="Cambria Math" panose="02040503050406030204" pitchFamily="18" charset="0"/>
+                                    </a:rPr>
+                                  </m:ctrlPr>
+                                </m:sSupPr>
+                                <m:e>
+                                  <m:r>
+                                    <a:rPr lang="en-US" i="1">
+                                      <a:latin typeface="Cambria Math" panose="02040503050406030204" pitchFamily="18" charset="0"/>
+                                    </a:rPr>
+                                    <m:t>(</m:t>
+                                  </m:r>
+                                  <m:r>
+                                    <a:rPr lang="en-US" i="1">
+                                      <a:latin typeface="Cambria Math" panose="02040503050406030204" pitchFamily="18" charset="0"/>
+                                    </a:rPr>
+                                    <m:t>𝑅</m:t>
+                                  </m:r>
+                                  <m:r>
+                                    <a:rPr lang="en-US" i="1">
+                                      <a:latin typeface="Cambria Math" panose="02040503050406030204" pitchFamily="18" charset="0"/>
+                                    </a:rPr>
+                                    <m:t>+</m:t>
+                                  </m:r>
+                                  <m:r>
+                                    <a:rPr lang="en-US" b="0" i="1" smtClean="0">
+                                      <a:latin typeface="Cambria Math" panose="02040503050406030204" pitchFamily="18" charset="0"/>
+                                    </a:rPr>
+                                    <m:t>𝑦</m:t>
+                                  </m:r>
+                                  <m:d>
+                                    <m:dPr>
+                                      <m:ctrlPr>
+                                        <a:rPr lang="en-US" b="0" i="1" smtClean="0">
+                                          <a:latin typeface="Cambria Math" panose="02040503050406030204" pitchFamily="18" charset="0"/>
+                                        </a:rPr>
+                                      </m:ctrlPr>
+                                    </m:dPr>
+                                    <m:e>
+                                      <m:r>
+                                        <a:rPr lang="en-US" b="0" i="1" smtClean="0">
+                                          <a:latin typeface="Cambria Math" panose="02040503050406030204" pitchFamily="18" charset="0"/>
+                                        </a:rPr>
+                                        <m:t>𝑡</m:t>
+                                      </m:r>
+                                    </m:e>
+                                  </m:d>
+                                  <m:r>
+                                    <a:rPr lang="en-US" b="0" i="1" smtClean="0">
+                                      <a:latin typeface="Cambria Math" panose="02040503050406030204" pitchFamily="18" charset="0"/>
+                                    </a:rPr>
+                                    <m:t>)</m:t>
+                                  </m:r>
+                                </m:e>
+                                <m:sup>
+                                  <m:r>
+                                    <a:rPr lang="ru-RU" i="1">
+                                      <a:latin typeface="Cambria Math" panose="02040503050406030204" pitchFamily="18" charset="0"/>
+                                    </a:rPr>
+                                    <m:t>2</m:t>
+                                  </m:r>
+                                </m:sup>
+                              </m:sSup>
+                            </m:e>
+                          </m:d>
                           <m:r>
                             <a:rPr lang="en-US" sz="1800" i="1">
                               <a:effectLst/>
@@ -14026,52 +14457,7 @@
                               <a:ea typeface="SimSun" panose="02010600030101010101" pitchFamily="2" charset="-122"/>
                               <a:cs typeface="Times New Roman" panose="02020603050405020304" pitchFamily="18" charset="0"/>
                             </a:rPr>
-                            <m:t>𝑚</m:t>
-                          </m:r>
-                          <m:r>
-                            <a:rPr lang="en-US" sz="1800" i="1">
-                              <a:effectLst/>
-                              <a:latin typeface="Cambria Math" panose="02040503050406030204" pitchFamily="18" charset="0"/>
-                              <a:ea typeface="SimSun" panose="02010600030101010101" pitchFamily="2" charset="-122"/>
-                              <a:cs typeface="Times New Roman" panose="02020603050405020304" pitchFamily="18" charset="0"/>
-                            </a:rPr>
-                            <m:t>(</m:t>
-                          </m:r>
-                          <m:r>
-                            <a:rPr lang="ru-RU" sz="1800" i="1">
-                              <a:effectLst/>
-                              <a:latin typeface="Cambria Math" panose="02040503050406030204" pitchFamily="18" charset="0"/>
-                              <a:ea typeface="SimSun" panose="02010600030101010101" pitchFamily="2" charset="-122"/>
-                              <a:cs typeface="Times New Roman" panose="02020603050405020304" pitchFamily="18" charset="0"/>
-                            </a:rPr>
-                            <m:t>𝑡</m:t>
-                          </m:r>
-                          <m:r>
-                            <a:rPr lang="en-US" sz="1800" i="1">
-                              <a:effectLst/>
-                              <a:latin typeface="Cambria Math" panose="02040503050406030204" pitchFamily="18" charset="0"/>
-                              <a:ea typeface="SimSun" panose="02010600030101010101" pitchFamily="2" charset="-122"/>
-                              <a:cs typeface="Times New Roman" panose="02020603050405020304" pitchFamily="18" charset="0"/>
-                            </a:rPr>
-                            <m:t>)</m:t>
-                          </m:r>
-                          <m:r>
-                            <a:rPr lang="en-US" sz="1800" i="1">
-                              <a:effectLst/>
-                              <a:latin typeface="Cambria Math" panose="02040503050406030204" pitchFamily="18" charset="0"/>
-                              <a:ea typeface="SimSun" panose="02010600030101010101" pitchFamily="2" charset="-122"/>
-                              <a:cs typeface="Times New Roman" panose="02020603050405020304" pitchFamily="18" charset="0"/>
-                            </a:rPr>
-                            <m:t>𝑔</m:t>
-                          </m:r>
-                          <m:r>
-                            <a:rPr lang="en-US" sz="1800" i="1">
-                              <a:effectLst/>
-                              <a:latin typeface="Cambria Math" panose="02040503050406030204" pitchFamily="18" charset="0"/>
-                              <a:ea typeface="SimSun" panose="02010600030101010101" pitchFamily="2" charset="-122"/>
-                              <a:cs typeface="Times New Roman" panose="02020603050405020304" pitchFamily="18" charset="0"/>
-                            </a:rPr>
-                            <m:t>)−(</m:t>
+                            <m:t>−(</m:t>
                           </m:r>
                           <m:f>
                             <m:fPr>
@@ -14526,7 +14912,7 @@
             </p:txBody>
           </p:sp>
         </mc:Choice>
-        <mc:Fallback xmlns="">
+        <mc:Fallback>
           <p:sp>
             <p:nvSpPr>
               <p:cNvPr id="20" name="TextBox 19">
@@ -14571,8 +14957,8 @@
           </p:sp>
         </mc:Fallback>
       </mc:AlternateContent>
-      <mc:AlternateContent xmlns:mc="http://schemas.openxmlformats.org/markup-compatibility/2006" xmlns:a14="http://schemas.microsoft.com/office/drawing/2010/main">
-        <mc:Choice Requires="a14">
+      <mc:AlternateContent xmlns:mc="http://schemas.openxmlformats.org/markup-compatibility/2006">
+        <mc:Choice xmlns:a14="http://schemas.microsoft.com/office/drawing/2010/main" Requires="a14">
           <p:sp>
             <p:nvSpPr>
               <p:cNvPr id="22" name="TextBox 21">
@@ -14587,7 +14973,7 @@
             </p:nvSpPr>
             <p:spPr>
               <a:xfrm>
-                <a:off x="-1197879" y="4820955"/>
+                <a:off x="-1211798" y="5284473"/>
                 <a:ext cx="10633934" cy="1544654"/>
               </a:xfrm>
               <a:prstGeom prst="rect">
@@ -15286,7 +15672,7 @@
             </p:txBody>
           </p:sp>
         </mc:Choice>
-        <mc:Fallback xmlns="">
+        <mc:Fallback>
           <p:sp>
             <p:nvSpPr>
               <p:cNvPr id="22" name="TextBox 21">
@@ -15303,7 +15689,7 @@
             </p:nvSpPr>
             <p:spPr>
               <a:xfrm>
-                <a:off x="-1197879" y="4820955"/>
+                <a:off x="-1211798" y="5284473"/>
                 <a:ext cx="10633934" cy="1544654"/>
               </a:xfrm>
               <a:prstGeom prst="rect">
@@ -15360,6 +15746,13 @@
           <a:lstStyle/>
           <a:p>
             <a:r>
+              <a:rPr lang="ru-RU" dirty="0">
+                <a:latin typeface="Times New Roman" panose="02020603050405020304" pitchFamily="18" charset="0"/>
+                <a:ea typeface="SimSun" panose="02010600030101010101" pitchFamily="2" charset="-122"/>
+              </a:rPr>
+              <a:t>Составим </a:t>
+            </a:r>
+            <a:r>
               <a:rPr lang="ru-RU" sz="1800" dirty="0">
                 <a:effectLst/>
                 <a:latin typeface="Times New Roman" panose="02020603050405020304" pitchFamily="18" charset="0"/>
@@ -15390,6 +15783,14 @@
                 <a:ea typeface="SimSun" panose="02010600030101010101" pitchFamily="2" charset="-122"/>
               </a:rPr>
               <a:t>OY</a:t>
+            </a:r>
+            <a:r>
+              <a:rPr lang="ru-RU" sz="1800" dirty="0">
+                <a:effectLst/>
+                <a:latin typeface="Times New Roman" panose="02020603050405020304" pitchFamily="18" charset="0"/>
+                <a:ea typeface="SimSun" panose="02010600030101010101" pitchFamily="2" charset="-122"/>
+              </a:rPr>
+              <a:t>:</a:t>
             </a:r>
             <a:endParaRPr lang="ru-RU" dirty="0"/>
           </a:p>
@@ -15424,7 +15825,7 @@
         </p:blipFill>
         <p:spPr bwMode="auto">
           <a:xfrm>
-            <a:off x="8885356" y="3114299"/>
+            <a:off x="9169129" y="3114299"/>
             <a:ext cx="4957966" cy="4957966"/>
           </a:xfrm>
           <a:prstGeom prst="rect">
@@ -16540,7 +16941,7 @@
   <a:themeElements>
     <a:clrScheme name="Сектор">
       <a:dk1>
-        <a:sysClr val="windowText" lastClr="494949"/>
+        <a:sysClr val="windowText" lastClr="000000"/>
       </a:dk1>
       <a:lt1>
         <a:sysClr val="window" lastClr="FFFFFF"/>
